--- a/C++基础.pptx
+++ b/C++基础.pptx
@@ -5,7 +5,7 @@
     <p:sldMasterId id="2147483648" r:id="rId1"/>
   </p:sldMasterIdLst>
   <p:notesMasterIdLst>
-    <p:notesMasterId r:id="rId41"/>
+    <p:notesMasterId r:id="rId53"/>
   </p:notesMasterIdLst>
   <p:sldIdLst>
     <p:sldId id="256" r:id="rId2"/>
@@ -46,7 +46,19 @@
     <p:sldId id="488" r:id="rId37"/>
     <p:sldId id="489" r:id="rId38"/>
     <p:sldId id="318" r:id="rId39"/>
-    <p:sldId id="486" r:id="rId40"/>
+    <p:sldId id="491" r:id="rId40"/>
+    <p:sldId id="502" r:id="rId41"/>
+    <p:sldId id="492" r:id="rId42"/>
+    <p:sldId id="493" r:id="rId43"/>
+    <p:sldId id="494" r:id="rId44"/>
+    <p:sldId id="495" r:id="rId45"/>
+    <p:sldId id="503" r:id="rId46"/>
+    <p:sldId id="497" r:id="rId47"/>
+    <p:sldId id="498" r:id="rId48"/>
+    <p:sldId id="499" r:id="rId49"/>
+    <p:sldId id="501" r:id="rId50"/>
+    <p:sldId id="486" r:id="rId51"/>
+    <p:sldId id="500" r:id="rId52"/>
   </p:sldIdLst>
   <p:sldSz cx="12192000" cy="6858000"/>
   <p:notesSz cx="6858000" cy="9144000"/>
@@ -235,7 +247,7 @@
           <a:p>
             <a:fld id="{D2A48B96-639E-45A3-A0BA-2464DFDB1FAA}" type="datetimeFigureOut">
               <a:rPr lang="zh-CN" altLang="en-US" smtClean="0"/>
-              <a:t>2019/7/17</a:t>
+              <a:t>2019/8/21</a:t>
             </a:fld>
             <a:endParaRPr lang="zh-CN" altLang="en-US"/>
           </a:p>
@@ -1579,7 +1591,7 @@
           <a:p>
             <a:fld id="{D997B5FA-0921-464F-AAE1-844C04324D75}" type="datetimeFigureOut">
               <a:rPr lang="zh-CN" altLang="en-US" smtClean="0"/>
-              <a:t>2019/7/17</a:t>
+              <a:t>2019/8/21</a:t>
             </a:fld>
             <a:endParaRPr lang="zh-CN" altLang="en-US"/>
           </a:p>
@@ -1742,7 +1754,7 @@
           <a:p>
             <a:fld id="{D997B5FA-0921-464F-AAE1-844C04324D75}" type="datetimeFigureOut">
               <a:rPr lang="zh-CN" altLang="en-US" smtClean="0"/>
-              <a:t>2019/7/17</a:t>
+              <a:t>2019/8/21</a:t>
             </a:fld>
             <a:endParaRPr lang="zh-CN" altLang="en-US"/>
           </a:p>
@@ -1915,7 +1927,7 @@
           <a:p>
             <a:fld id="{D997B5FA-0921-464F-AAE1-844C04324D75}" type="datetimeFigureOut">
               <a:rPr lang="zh-CN" altLang="en-US" smtClean="0"/>
-              <a:t>2019/7/17</a:t>
+              <a:t>2019/8/21</a:t>
             </a:fld>
             <a:endParaRPr lang="zh-CN" altLang="en-US"/>
           </a:p>
@@ -2078,7 +2090,7 @@
           <a:p>
             <a:fld id="{D997B5FA-0921-464F-AAE1-844C04324D75}" type="datetimeFigureOut">
               <a:rPr lang="zh-CN" altLang="en-US" smtClean="0"/>
-              <a:t>2019/7/17</a:t>
+              <a:t>2019/8/21</a:t>
             </a:fld>
             <a:endParaRPr lang="zh-CN" altLang="en-US"/>
           </a:p>
@@ -2318,7 +2330,7 @@
           <a:p>
             <a:fld id="{D997B5FA-0921-464F-AAE1-844C04324D75}" type="datetimeFigureOut">
               <a:rPr lang="zh-CN" altLang="en-US" smtClean="0"/>
-              <a:t>2019/7/17</a:t>
+              <a:t>2019/8/21</a:t>
             </a:fld>
             <a:endParaRPr lang="zh-CN" altLang="en-US"/>
           </a:p>
@@ -2542,7 +2554,7 @@
           <a:p>
             <a:fld id="{D997B5FA-0921-464F-AAE1-844C04324D75}" type="datetimeFigureOut">
               <a:rPr lang="zh-CN" altLang="en-US" smtClean="0"/>
-              <a:t>2019/7/17</a:t>
+              <a:t>2019/8/21</a:t>
             </a:fld>
             <a:endParaRPr lang="zh-CN" altLang="en-US"/>
           </a:p>
@@ -2901,7 +2913,7 @@
           <a:p>
             <a:fld id="{D997B5FA-0921-464F-AAE1-844C04324D75}" type="datetimeFigureOut">
               <a:rPr lang="zh-CN" altLang="en-US" smtClean="0"/>
-              <a:t>2019/7/17</a:t>
+              <a:t>2019/8/21</a:t>
             </a:fld>
             <a:endParaRPr lang="zh-CN" altLang="en-US"/>
           </a:p>
@@ -3013,7 +3025,7 @@
           <a:p>
             <a:fld id="{D997B5FA-0921-464F-AAE1-844C04324D75}" type="datetimeFigureOut">
               <a:rPr lang="zh-CN" altLang="en-US" smtClean="0"/>
-              <a:t>2019/7/17</a:t>
+              <a:t>2019/8/21</a:t>
             </a:fld>
             <a:endParaRPr lang="zh-CN" altLang="en-US"/>
           </a:p>
@@ -3103,7 +3115,7 @@
           <a:p>
             <a:fld id="{D997B5FA-0921-464F-AAE1-844C04324D75}" type="datetimeFigureOut">
               <a:rPr lang="zh-CN" altLang="en-US" smtClean="0"/>
-              <a:t>2019/7/17</a:t>
+              <a:t>2019/8/21</a:t>
             </a:fld>
             <a:endParaRPr lang="zh-CN" altLang="en-US"/>
           </a:p>
@@ -3373,7 +3385,7 @@
           <a:p>
             <a:fld id="{D997B5FA-0921-464F-AAE1-844C04324D75}" type="datetimeFigureOut">
               <a:rPr lang="zh-CN" altLang="en-US" smtClean="0"/>
-              <a:t>2019/7/17</a:t>
+              <a:t>2019/8/21</a:t>
             </a:fld>
             <a:endParaRPr lang="zh-CN" altLang="en-US"/>
           </a:p>
@@ -3620,7 +3632,7 @@
           <a:p>
             <a:fld id="{D997B5FA-0921-464F-AAE1-844C04324D75}" type="datetimeFigureOut">
               <a:rPr lang="zh-CN" altLang="en-US" smtClean="0"/>
-              <a:t>2019/7/17</a:t>
+              <a:t>2019/8/21</a:t>
             </a:fld>
             <a:endParaRPr lang="zh-CN" altLang="en-US"/>
           </a:p>
@@ -3832,7 +3844,7 @@
           <a:p>
             <a:fld id="{D997B5FA-0921-464F-AAE1-844C04324D75}" type="datetimeFigureOut">
               <a:rPr lang="zh-CN" altLang="en-US" smtClean="0"/>
-              <a:t>2019/7/17</a:t>
+              <a:t>2019/8/21</a:t>
             </a:fld>
             <a:endParaRPr lang="zh-CN" altLang="en-US"/>
           </a:p>
@@ -13526,10 +13538,6 @@
               <a:rPr lang="zh-CN" altLang="en-US" dirty="0"/>
               <a:t> </a:t>
             </a:r>
-            <a:r>
-              <a:rPr lang="zh-CN" altLang="en-US" dirty="0"/>
-              <a:t/>
-            </a:r>
             <a:br>
               <a:rPr lang="zh-CN" altLang="en-US" dirty="0"/>
             </a:br>
@@ -13888,7 +13896,7 @@
         <p:spPr>
           <a:xfrm>
             <a:off x="771525" y="3019425"/>
-            <a:ext cx="2257349" cy="743152"/>
+            <a:ext cx="1277914" cy="739754"/>
           </a:xfrm>
           <a:prstGeom prst="rect">
             <a:avLst/>
@@ -13914,27 +13922,7 @@
                 <a:cs typeface="+mn-ea"/>
                 <a:sym typeface="+mn-lt"/>
               </a:rPr>
-              <a:t>5.QT</a:t>
-            </a:r>
-            <a:r>
-              <a:rPr lang="zh-CN" altLang="en-US" sz="3200" dirty="0" smtClean="0">
-                <a:solidFill>
-                  <a:schemeClr val="bg1"/>
-                </a:solidFill>
-                <a:cs typeface="+mn-ea"/>
-                <a:sym typeface="+mn-lt"/>
-              </a:rPr>
-              <a:t>、</a:t>
-            </a:r>
-            <a:r>
-              <a:rPr lang="en-US" altLang="zh-CN" sz="3200" dirty="0" smtClean="0">
-                <a:solidFill>
-                  <a:schemeClr val="bg1"/>
-                </a:solidFill>
-                <a:cs typeface="+mn-ea"/>
-                <a:sym typeface="+mn-lt"/>
-              </a:rPr>
-              <a:t>STL</a:t>
+              <a:t>5.STL</a:t>
             </a:r>
             <a:endParaRPr lang="zh-CN" altLang="en-US" sz="3200" dirty="0">
               <a:solidFill>
@@ -13983,6 +13971,201 @@
           <a:chExt cx="0" cy="0"/>
         </a:xfrm>
       </p:grpSpPr>
+      <p:sp>
+        <p:nvSpPr>
+          <p:cNvPr id="4" name="文本框 3"/>
+          <p:cNvSpPr txBox="1"/>
+          <p:nvPr/>
+        </p:nvSpPr>
+        <p:spPr>
+          <a:xfrm>
+            <a:off x="180975" y="161520"/>
+            <a:ext cx="3566272" cy="369332"/>
+          </a:xfrm>
+          <a:prstGeom prst="rect">
+            <a:avLst/>
+          </a:prstGeom>
+          <a:noFill/>
+        </p:spPr>
+        <p:txBody>
+          <a:bodyPr wrap="square" rtlCol="0">
+            <a:spAutoFit/>
+          </a:bodyPr>
+          <a:lstStyle/>
+          <a:p>
+            <a:r>
+              <a:rPr lang="en-US" altLang="zh-CN" dirty="0" smtClean="0">
+                <a:solidFill>
+                  <a:schemeClr val="bg1"/>
+                </a:solidFill>
+                <a:cs typeface="+mn-ea"/>
+              </a:rPr>
+              <a:t>STL</a:t>
+            </a:r>
+            <a:endParaRPr lang="zh-CN" altLang="en-US" dirty="0">
+              <a:solidFill>
+                <a:schemeClr val="bg1"/>
+              </a:solidFill>
+              <a:cs typeface="+mn-ea"/>
+            </a:endParaRPr>
+          </a:p>
+        </p:txBody>
+      </p:sp>
+      <p:pic>
+        <p:nvPicPr>
+          <p:cNvPr id="5" name="图片 4" descr="33"/>
+          <p:cNvPicPr>
+            <a:picLocks noChangeAspect="1"/>
+          </p:cNvPicPr>
+          <p:nvPr/>
+        </p:nvPicPr>
+        <p:blipFill>
+          <a:blip r:embed="rId2"/>
+          <a:stretch>
+            <a:fillRect/>
+          </a:stretch>
+        </p:blipFill>
+        <p:spPr>
+          <a:xfrm>
+            <a:off x="8810625" y="192405"/>
+            <a:ext cx="2076450" cy="200660"/>
+          </a:xfrm>
+          <a:prstGeom prst="rect">
+            <a:avLst/>
+          </a:prstGeom>
+        </p:spPr>
+      </p:pic>
+      <p:sp>
+        <p:nvSpPr>
+          <p:cNvPr id="6" name="文本框 5"/>
+          <p:cNvSpPr txBox="1"/>
+          <p:nvPr/>
+        </p:nvSpPr>
+        <p:spPr>
+          <a:xfrm>
+            <a:off x="10887075" y="22903"/>
+            <a:ext cx="1274708" cy="456535"/>
+          </a:xfrm>
+          <a:prstGeom prst="rect">
+            <a:avLst/>
+          </a:prstGeom>
+          <a:noFill/>
+        </p:spPr>
+        <p:txBody>
+          <a:bodyPr wrap="none" rtlCol="0">
+            <a:spAutoFit/>
+          </a:bodyPr>
+          <a:lstStyle/>
+          <a:p>
+            <a:pPr>
+              <a:lnSpc>
+                <a:spcPct val="150000"/>
+              </a:lnSpc>
+            </a:pPr>
+            <a:r>
+              <a:rPr lang="en-US" altLang="zh-CN" b="1" dirty="0">
+                <a:solidFill>
+                  <a:schemeClr val="bg1"/>
+                </a:solidFill>
+                <a:cs typeface="+mn-ea"/>
+                <a:sym typeface="+mn-lt"/>
+              </a:rPr>
+              <a:t>· </a:t>
+            </a:r>
+            <a:r>
+              <a:rPr lang="en-US" altLang="zh-CN" dirty="0">
+                <a:solidFill>
+                  <a:schemeClr val="bg1"/>
+                </a:solidFill>
+                <a:cs typeface="+mn-ea"/>
+                <a:sym typeface="+mn-lt"/>
+              </a:rPr>
+              <a:t>GTJ2018</a:t>
+            </a:r>
+          </a:p>
+        </p:txBody>
+      </p:sp>
+      <p:sp>
+        <p:nvSpPr>
+          <p:cNvPr id="12" name="矩形 11"/>
+          <p:cNvSpPr/>
+          <p:nvPr/>
+        </p:nvSpPr>
+        <p:spPr>
+          <a:xfrm>
+            <a:off x="180975" y="1118711"/>
+            <a:ext cx="8685938" cy="1477328"/>
+          </a:xfrm>
+          <a:prstGeom prst="rect">
+            <a:avLst/>
+          </a:prstGeom>
+        </p:spPr>
+        <p:txBody>
+          <a:bodyPr wrap="square">
+            <a:spAutoFit/>
+          </a:bodyPr>
+          <a:lstStyle/>
+          <a:p>
+            <a:r>
+              <a:rPr lang="en-US" altLang="zh-CN" dirty="0"/>
+              <a:t>C++ STL</a:t>
+            </a:r>
+            <a:r>
+              <a:rPr lang="zh-CN" altLang="en-US" dirty="0" smtClean="0"/>
+              <a:t>（</a:t>
+            </a:r>
+            <a:r>
+              <a:rPr lang="en-US" altLang="zh-CN" dirty="0" smtClean="0"/>
+              <a:t>Standard Template </a:t>
+            </a:r>
+            <a:r>
+              <a:rPr lang="en-US" altLang="zh-CN" dirty="0" err="1" smtClean="0"/>
+              <a:t>Libraary</a:t>
+            </a:r>
+            <a:r>
+              <a:rPr lang="zh-CN" altLang="en-US" dirty="0" smtClean="0"/>
+              <a:t>标准</a:t>
+            </a:r>
+            <a:r>
+              <a:rPr lang="zh-CN" altLang="en-US" dirty="0"/>
+              <a:t>模板库）是一套功能强大的 </a:t>
+            </a:r>
+            <a:r>
+              <a:rPr lang="en-US" altLang="zh-CN" dirty="0"/>
+              <a:t>C++ </a:t>
+            </a:r>
+            <a:r>
+              <a:rPr lang="zh-CN" altLang="en-US" dirty="0"/>
+              <a:t>模板类，提供了通用的模板类和函数，这些模板类和函数可以实现多种流行和常用的算法和数据结构，如向量、链表、</a:t>
+            </a:r>
+            <a:r>
+              <a:rPr lang="zh-CN" altLang="en-US" dirty="0" smtClean="0"/>
+              <a:t>队列等。</a:t>
+            </a:r>
+            <a:endParaRPr lang="en-US" altLang="zh-CN" dirty="0" smtClean="0"/>
+          </a:p>
+          <a:p>
+            <a:endParaRPr lang="en-US" altLang="zh-CN" dirty="0" smtClean="0"/>
+          </a:p>
+          <a:p>
+            <a:r>
+              <a:rPr lang="zh-CN" altLang="en-US" dirty="0" smtClean="0">
+                <a:solidFill>
+                  <a:srgbClr val="333333"/>
+                </a:solidFill>
+                <a:latin typeface="Helvetica Neue"/>
+              </a:rPr>
+              <a:t>其中，容器分为顺序容器与关联容器</a:t>
+            </a:r>
+            <a:endParaRPr lang="en-US" altLang="zh-CN" dirty="0" smtClean="0">
+              <a:solidFill>
+                <a:srgbClr val="333333"/>
+              </a:solidFill>
+              <a:latin typeface="Helvetica Neue"/>
+            </a:endParaRPr>
+          </a:p>
+        </p:txBody>
+      </p:sp>
       <p:pic>
         <p:nvPicPr>
           <p:cNvPr id="2" name="图片 1"/>
@@ -13992,88 +14175,25 @@
           <p:nvPr/>
         </p:nvPicPr>
         <p:blipFill>
-          <a:blip r:embed="rId2">
-            <a:extLst>
-              <a:ext uri="{28A0092B-C50C-407E-A947-70E740481C1C}">
-                <a14:useLocalDpi xmlns:a14="http://schemas.microsoft.com/office/drawing/2010/main" val="0"/>
-              </a:ext>
-            </a:extLst>
-          </a:blip>
+          <a:blip r:embed="rId3"/>
           <a:stretch>
             <a:fillRect/>
           </a:stretch>
         </p:blipFill>
         <p:spPr>
           <a:xfrm>
-            <a:off x="0" y="0"/>
-            <a:ext cx="12192000" cy="6858000"/>
+            <a:off x="180975" y="2891546"/>
+            <a:ext cx="8028571" cy="2190476"/>
           </a:xfrm>
           <a:prstGeom prst="rect">
             <a:avLst/>
           </a:prstGeom>
         </p:spPr>
       </p:pic>
-      <p:sp>
-        <p:nvSpPr>
-          <p:cNvPr id="8" name="文本框 7"/>
-          <p:cNvSpPr txBox="1"/>
-          <p:nvPr/>
-        </p:nvSpPr>
-        <p:spPr>
-          <a:xfrm>
-            <a:off x="771525" y="3019425"/>
-            <a:ext cx="2167581" cy="830997"/>
-          </a:xfrm>
-          <a:prstGeom prst="rect">
-            <a:avLst/>
-          </a:prstGeom>
-          <a:noFill/>
-        </p:spPr>
-        <p:txBody>
-          <a:bodyPr wrap="none" rtlCol="0">
-            <a:spAutoFit/>
-          </a:bodyPr>
-          <a:lstStyle/>
-          <a:p>
-            <a:pPr>
-              <a:lnSpc>
-                <a:spcPct val="150000"/>
-              </a:lnSpc>
-            </a:pPr>
-            <a:r>
-              <a:rPr lang="en-US" altLang="zh-CN" sz="3200" dirty="0" smtClean="0">
-                <a:solidFill>
-                  <a:schemeClr val="bg1"/>
-                </a:solidFill>
-                <a:cs typeface="+mn-ea"/>
-                <a:sym typeface="+mn-lt"/>
-              </a:rPr>
-              <a:t>5.</a:t>
-            </a:r>
-            <a:r>
-              <a:rPr lang="zh-CN" altLang="en-US" sz="3200" dirty="0" smtClean="0">
-                <a:solidFill>
-                  <a:schemeClr val="bg1"/>
-                </a:solidFill>
-                <a:cs typeface="+mn-ea"/>
-                <a:sym typeface="+mn-lt"/>
-              </a:rPr>
-              <a:t>设计模式</a:t>
-            </a:r>
-            <a:endParaRPr lang="zh-CN" altLang="en-US" sz="3200" dirty="0">
-              <a:solidFill>
-                <a:schemeClr val="bg1"/>
-              </a:solidFill>
-              <a:cs typeface="+mn-ea"/>
-              <a:sym typeface="+mn-lt"/>
-            </a:endParaRPr>
-          </a:p>
-        </p:txBody>
-      </p:sp>
     </p:spTree>
     <p:extLst>
       <p:ext uri="{BB962C8B-B14F-4D97-AF65-F5344CB8AC3E}">
-        <p14:creationId xmlns:p14="http://schemas.microsoft.com/office/powerpoint/2010/main" val="2766502232"/>
+        <p14:creationId xmlns:p14="http://schemas.microsoft.com/office/powerpoint/2010/main" val="2610465563"/>
       </p:ext>
     </p:extLst>
   </p:cSld>
@@ -14272,6 +14392,3253 @@
 </p:sld>
 </file>
 
+<file path=ppt/slides/slide40.xml><?xml version="1.0" encoding="utf-8"?>
+<p:sld xmlns:a="http://schemas.openxmlformats.org/drawingml/2006/main" xmlns:r="http://schemas.openxmlformats.org/officeDocument/2006/relationships" xmlns:p="http://schemas.openxmlformats.org/presentationml/2006/main">
+  <p:cSld>
+    <p:spTree>
+      <p:nvGrpSpPr>
+        <p:cNvPr id="1" name=""/>
+        <p:cNvGrpSpPr/>
+        <p:nvPr/>
+      </p:nvGrpSpPr>
+      <p:grpSpPr>
+        <a:xfrm>
+          <a:off x="0" y="0"/>
+          <a:ext cx="0" cy="0"/>
+          <a:chOff x="0" y="0"/>
+          <a:chExt cx="0" cy="0"/>
+        </a:xfrm>
+      </p:grpSpPr>
+      <p:sp>
+        <p:nvSpPr>
+          <p:cNvPr id="4" name="文本框 3"/>
+          <p:cNvSpPr txBox="1"/>
+          <p:nvPr/>
+        </p:nvSpPr>
+        <p:spPr>
+          <a:xfrm>
+            <a:off x="180975" y="161520"/>
+            <a:ext cx="3566272" cy="369332"/>
+          </a:xfrm>
+          <a:prstGeom prst="rect">
+            <a:avLst/>
+          </a:prstGeom>
+          <a:noFill/>
+        </p:spPr>
+        <p:txBody>
+          <a:bodyPr wrap="square" rtlCol="0">
+            <a:spAutoFit/>
+          </a:bodyPr>
+          <a:lstStyle/>
+          <a:p>
+            <a:r>
+              <a:rPr lang="en-US" altLang="zh-CN" dirty="0" smtClean="0">
+                <a:solidFill>
+                  <a:schemeClr val="bg1"/>
+                </a:solidFill>
+                <a:cs typeface="+mn-ea"/>
+              </a:rPr>
+              <a:t>STL-iterator</a:t>
+            </a:r>
+            <a:endParaRPr lang="zh-CN" altLang="en-US" dirty="0">
+              <a:solidFill>
+                <a:schemeClr val="bg1"/>
+              </a:solidFill>
+              <a:cs typeface="+mn-ea"/>
+            </a:endParaRPr>
+          </a:p>
+        </p:txBody>
+      </p:sp>
+      <p:pic>
+        <p:nvPicPr>
+          <p:cNvPr id="5" name="图片 4" descr="33"/>
+          <p:cNvPicPr>
+            <a:picLocks noChangeAspect="1"/>
+          </p:cNvPicPr>
+          <p:nvPr/>
+        </p:nvPicPr>
+        <p:blipFill>
+          <a:blip r:embed="rId2"/>
+          <a:stretch>
+            <a:fillRect/>
+          </a:stretch>
+        </p:blipFill>
+        <p:spPr>
+          <a:xfrm>
+            <a:off x="8810625" y="192405"/>
+            <a:ext cx="2076450" cy="200660"/>
+          </a:xfrm>
+          <a:prstGeom prst="rect">
+            <a:avLst/>
+          </a:prstGeom>
+        </p:spPr>
+      </p:pic>
+      <p:sp>
+        <p:nvSpPr>
+          <p:cNvPr id="6" name="文本框 5"/>
+          <p:cNvSpPr txBox="1"/>
+          <p:nvPr/>
+        </p:nvSpPr>
+        <p:spPr>
+          <a:xfrm>
+            <a:off x="10887075" y="22903"/>
+            <a:ext cx="1274708" cy="456535"/>
+          </a:xfrm>
+          <a:prstGeom prst="rect">
+            <a:avLst/>
+          </a:prstGeom>
+          <a:noFill/>
+        </p:spPr>
+        <p:txBody>
+          <a:bodyPr wrap="none" rtlCol="0">
+            <a:spAutoFit/>
+          </a:bodyPr>
+          <a:lstStyle/>
+          <a:p>
+            <a:pPr>
+              <a:lnSpc>
+                <a:spcPct val="150000"/>
+              </a:lnSpc>
+            </a:pPr>
+            <a:r>
+              <a:rPr lang="en-US" altLang="zh-CN" b="1" dirty="0">
+                <a:solidFill>
+                  <a:schemeClr val="bg1"/>
+                </a:solidFill>
+                <a:cs typeface="+mn-ea"/>
+                <a:sym typeface="+mn-lt"/>
+              </a:rPr>
+              <a:t>· </a:t>
+            </a:r>
+            <a:r>
+              <a:rPr lang="en-US" altLang="zh-CN" dirty="0">
+                <a:solidFill>
+                  <a:schemeClr val="bg1"/>
+                </a:solidFill>
+                <a:cs typeface="+mn-ea"/>
+                <a:sym typeface="+mn-lt"/>
+              </a:rPr>
+              <a:t>GTJ2018</a:t>
+            </a:r>
+          </a:p>
+        </p:txBody>
+      </p:sp>
+      <p:sp>
+        <p:nvSpPr>
+          <p:cNvPr id="12" name="矩形 11"/>
+          <p:cNvSpPr/>
+          <p:nvPr/>
+        </p:nvSpPr>
+        <p:spPr>
+          <a:xfrm>
+            <a:off x="180975" y="1118711"/>
+            <a:ext cx="8685938" cy="1477328"/>
+          </a:xfrm>
+          <a:prstGeom prst="rect">
+            <a:avLst/>
+          </a:prstGeom>
+        </p:spPr>
+        <p:txBody>
+          <a:bodyPr wrap="square">
+            <a:spAutoFit/>
+          </a:bodyPr>
+          <a:lstStyle/>
+          <a:p>
+            <a:r>
+              <a:rPr lang="zh-CN" altLang="en-US" dirty="0" smtClean="0"/>
+              <a:t>迭代器（</a:t>
+            </a:r>
+            <a:r>
+              <a:rPr lang="en-US" altLang="zh-CN" dirty="0" smtClean="0"/>
+              <a:t>iterator</a:t>
+            </a:r>
+            <a:r>
+              <a:rPr lang="zh-CN" altLang="en-US" dirty="0" smtClean="0"/>
+              <a:t>）是</a:t>
+            </a:r>
+            <a:r>
+              <a:rPr lang="zh-CN" altLang="en-US" dirty="0"/>
+              <a:t>一种检查容器内元素并遍历元素的</a:t>
+            </a:r>
+            <a:r>
+              <a:rPr lang="zh-CN" altLang="en-US" dirty="0" smtClean="0"/>
+              <a:t>数据类型</a:t>
+            </a:r>
+            <a:endParaRPr lang="en-US" altLang="zh-CN" dirty="0" smtClean="0"/>
+          </a:p>
+          <a:p>
+            <a:endParaRPr lang="en-US" altLang="zh-CN" dirty="0">
+              <a:solidFill>
+                <a:srgbClr val="333333"/>
+              </a:solidFill>
+              <a:latin typeface="Helvetica Neue"/>
+            </a:endParaRPr>
+          </a:p>
+          <a:p>
+            <a:r>
+              <a:rPr lang="zh-CN" altLang="en-US" dirty="0" smtClean="0"/>
+              <a:t>背景：指针</a:t>
+            </a:r>
+            <a:r>
+              <a:rPr lang="en-US" altLang="zh-CN" dirty="0" smtClean="0"/>
+              <a:t>++</a:t>
+            </a:r>
+            <a:r>
+              <a:rPr lang="zh-CN" altLang="en-US" dirty="0" smtClean="0"/>
+              <a:t>可以</a:t>
+            </a:r>
+            <a:r>
+              <a:rPr lang="zh-CN" altLang="en-US" dirty="0"/>
+              <a:t>用来遍历存储空间连续的数据结构，但是对于</a:t>
+            </a:r>
+            <a:r>
+              <a:rPr lang="zh-CN" altLang="en-US" dirty="0" smtClean="0"/>
+              <a:t>存储空间非连续的</a:t>
+            </a:r>
+            <a:r>
+              <a:rPr lang="zh-CN" altLang="en-US" dirty="0"/>
+              <a:t>，就需要寻找一个行为类似指针的类，来对非数组的数据结构进行</a:t>
+            </a:r>
+            <a:r>
+              <a:rPr lang="zh-CN" altLang="en-US" dirty="0" smtClean="0"/>
+              <a:t>遍历</a:t>
+            </a:r>
+            <a:endParaRPr lang="en-US" altLang="zh-CN" dirty="0" smtClean="0"/>
+          </a:p>
+          <a:p>
+            <a:endParaRPr lang="en-US" altLang="zh-CN" dirty="0">
+              <a:solidFill>
+                <a:srgbClr val="333333"/>
+              </a:solidFill>
+              <a:latin typeface="Helvetica Neue"/>
+            </a:endParaRPr>
+          </a:p>
+        </p:txBody>
+      </p:sp>
+    </p:spTree>
+    <p:extLst>
+      <p:ext uri="{BB962C8B-B14F-4D97-AF65-F5344CB8AC3E}">
+        <p14:creationId xmlns:p14="http://schemas.microsoft.com/office/powerpoint/2010/main" val="4103322993"/>
+      </p:ext>
+    </p:extLst>
+  </p:cSld>
+  <p:clrMapOvr>
+    <a:masterClrMapping/>
+  </p:clrMapOvr>
+  <p:timing>
+    <p:tnLst>
+      <p:par>
+        <p:cTn id="1" dur="indefinite" restart="never" nodeType="tmRoot"/>
+      </p:par>
+    </p:tnLst>
+  </p:timing>
+</p:sld>
+</file>
+
+<file path=ppt/slides/slide41.xml><?xml version="1.0" encoding="utf-8"?>
+<p:sld xmlns:a="http://schemas.openxmlformats.org/drawingml/2006/main" xmlns:r="http://schemas.openxmlformats.org/officeDocument/2006/relationships" xmlns:p="http://schemas.openxmlformats.org/presentationml/2006/main">
+  <p:cSld>
+    <p:spTree>
+      <p:nvGrpSpPr>
+        <p:cNvPr id="1" name=""/>
+        <p:cNvGrpSpPr/>
+        <p:nvPr/>
+      </p:nvGrpSpPr>
+      <p:grpSpPr>
+        <a:xfrm>
+          <a:off x="0" y="0"/>
+          <a:ext cx="0" cy="0"/>
+          <a:chOff x="0" y="0"/>
+          <a:chExt cx="0" cy="0"/>
+        </a:xfrm>
+      </p:grpSpPr>
+      <p:sp>
+        <p:nvSpPr>
+          <p:cNvPr id="4" name="文本框 3"/>
+          <p:cNvSpPr txBox="1"/>
+          <p:nvPr/>
+        </p:nvSpPr>
+        <p:spPr>
+          <a:xfrm>
+            <a:off x="180975" y="161520"/>
+            <a:ext cx="3566272" cy="369332"/>
+          </a:xfrm>
+          <a:prstGeom prst="rect">
+            <a:avLst/>
+          </a:prstGeom>
+          <a:noFill/>
+        </p:spPr>
+        <p:txBody>
+          <a:bodyPr wrap="square" rtlCol="0">
+            <a:spAutoFit/>
+          </a:bodyPr>
+          <a:lstStyle/>
+          <a:p>
+            <a:r>
+              <a:rPr lang="en-US" altLang="zh-CN" dirty="0" smtClean="0">
+                <a:solidFill>
+                  <a:schemeClr val="bg1"/>
+                </a:solidFill>
+                <a:cs typeface="+mn-ea"/>
+              </a:rPr>
+              <a:t>STL-vector</a:t>
+            </a:r>
+            <a:endParaRPr lang="zh-CN" altLang="en-US" dirty="0">
+              <a:solidFill>
+                <a:schemeClr val="bg1"/>
+              </a:solidFill>
+              <a:cs typeface="+mn-ea"/>
+            </a:endParaRPr>
+          </a:p>
+        </p:txBody>
+      </p:sp>
+      <p:pic>
+        <p:nvPicPr>
+          <p:cNvPr id="5" name="图片 4" descr="33"/>
+          <p:cNvPicPr>
+            <a:picLocks noChangeAspect="1"/>
+          </p:cNvPicPr>
+          <p:nvPr/>
+        </p:nvPicPr>
+        <p:blipFill>
+          <a:blip r:embed="rId2"/>
+          <a:stretch>
+            <a:fillRect/>
+          </a:stretch>
+        </p:blipFill>
+        <p:spPr>
+          <a:xfrm>
+            <a:off x="8810625" y="192405"/>
+            <a:ext cx="2076450" cy="200660"/>
+          </a:xfrm>
+          <a:prstGeom prst="rect">
+            <a:avLst/>
+          </a:prstGeom>
+        </p:spPr>
+      </p:pic>
+      <p:sp>
+        <p:nvSpPr>
+          <p:cNvPr id="6" name="文本框 5"/>
+          <p:cNvSpPr txBox="1"/>
+          <p:nvPr/>
+        </p:nvSpPr>
+        <p:spPr>
+          <a:xfrm>
+            <a:off x="10887075" y="22903"/>
+            <a:ext cx="1274708" cy="456535"/>
+          </a:xfrm>
+          <a:prstGeom prst="rect">
+            <a:avLst/>
+          </a:prstGeom>
+          <a:noFill/>
+        </p:spPr>
+        <p:txBody>
+          <a:bodyPr wrap="none" rtlCol="0">
+            <a:spAutoFit/>
+          </a:bodyPr>
+          <a:lstStyle/>
+          <a:p>
+            <a:pPr>
+              <a:lnSpc>
+                <a:spcPct val="150000"/>
+              </a:lnSpc>
+            </a:pPr>
+            <a:r>
+              <a:rPr lang="en-US" altLang="zh-CN" b="1" dirty="0">
+                <a:solidFill>
+                  <a:schemeClr val="bg1"/>
+                </a:solidFill>
+                <a:cs typeface="+mn-ea"/>
+                <a:sym typeface="+mn-lt"/>
+              </a:rPr>
+              <a:t>· </a:t>
+            </a:r>
+            <a:r>
+              <a:rPr lang="en-US" altLang="zh-CN" dirty="0">
+                <a:solidFill>
+                  <a:schemeClr val="bg1"/>
+                </a:solidFill>
+                <a:cs typeface="+mn-ea"/>
+                <a:sym typeface="+mn-lt"/>
+              </a:rPr>
+              <a:t>GTJ2018</a:t>
+            </a:r>
+          </a:p>
+        </p:txBody>
+      </p:sp>
+      <p:sp>
+        <p:nvSpPr>
+          <p:cNvPr id="12" name="矩形 11"/>
+          <p:cNvSpPr/>
+          <p:nvPr/>
+        </p:nvSpPr>
+        <p:spPr>
+          <a:xfrm>
+            <a:off x="180975" y="1118711"/>
+            <a:ext cx="8685938" cy="2862322"/>
+          </a:xfrm>
+          <a:prstGeom prst="rect">
+            <a:avLst/>
+          </a:prstGeom>
+        </p:spPr>
+        <p:txBody>
+          <a:bodyPr wrap="square">
+            <a:spAutoFit/>
+          </a:bodyPr>
+          <a:lstStyle/>
+          <a:p>
+            <a:r>
+              <a:rPr lang="zh-CN" altLang="en-US" dirty="0" smtClean="0"/>
+              <a:t>向量</a:t>
+            </a:r>
+            <a:r>
+              <a:rPr lang="zh-CN" altLang="en-US" dirty="0"/>
+              <a:t>（</a:t>
+            </a:r>
+            <a:r>
+              <a:rPr lang="en-US" altLang="zh-CN" dirty="0"/>
+              <a:t>Vector</a:t>
+            </a:r>
+            <a:r>
+              <a:rPr lang="zh-CN" altLang="en-US" dirty="0"/>
+              <a:t>）是一个封装了动态大小数组的顺序</a:t>
+            </a:r>
+            <a:r>
+              <a:rPr lang="zh-CN" altLang="en-US" dirty="0" smtClean="0"/>
+              <a:t>容器。</a:t>
+            </a:r>
+            <a:endParaRPr lang="en-US" altLang="zh-CN" dirty="0" smtClean="0"/>
+          </a:p>
+          <a:p>
+            <a:endParaRPr lang="en-US" altLang="zh-CN" dirty="0">
+              <a:solidFill>
+                <a:srgbClr val="333333"/>
+              </a:solidFill>
+              <a:latin typeface="Helvetica Neue"/>
+            </a:endParaRPr>
+          </a:p>
+          <a:p>
+            <a:r>
+              <a:rPr lang="zh-CN" altLang="en-US" dirty="0" smtClean="0">
+                <a:solidFill>
+                  <a:srgbClr val="333333"/>
+                </a:solidFill>
+                <a:latin typeface="Helvetica Neue"/>
+              </a:rPr>
+              <a:t>特性：</a:t>
+            </a:r>
+            <a:endParaRPr lang="en-US" altLang="zh-CN" dirty="0" smtClean="0">
+              <a:solidFill>
+                <a:srgbClr val="333333"/>
+              </a:solidFill>
+              <a:latin typeface="Helvetica Neue"/>
+            </a:endParaRPr>
+          </a:p>
+          <a:p>
+            <a:pPr marL="342900" indent="-342900">
+              <a:buFont typeface="+mj-lt"/>
+              <a:buAutoNum type="arabicPeriod"/>
+            </a:pPr>
+            <a:r>
+              <a:rPr lang="zh-CN" altLang="en-US" dirty="0" smtClean="0"/>
+              <a:t>元素</a:t>
+            </a:r>
+            <a:r>
+              <a:rPr lang="zh-CN" altLang="en-US" dirty="0"/>
+              <a:t>按照严格的线性顺序</a:t>
+            </a:r>
+            <a:r>
+              <a:rPr lang="zh-CN" altLang="en-US" dirty="0" smtClean="0"/>
+              <a:t>排序</a:t>
+            </a:r>
+            <a:endParaRPr lang="en-US" altLang="zh-CN" dirty="0">
+              <a:solidFill>
+                <a:srgbClr val="333333"/>
+              </a:solidFill>
+              <a:latin typeface="Helvetica Neue"/>
+            </a:endParaRPr>
+          </a:p>
+          <a:p>
+            <a:pPr marL="342900" indent="-342900">
+              <a:buFont typeface="+mj-lt"/>
+              <a:buAutoNum type="arabicPeriod"/>
+            </a:pPr>
+            <a:r>
+              <a:rPr lang="zh-CN" altLang="en-US" dirty="0"/>
+              <a:t>使用一个内存分配器对象来动态地处理它的存储</a:t>
+            </a:r>
+            <a:r>
+              <a:rPr lang="zh-CN" altLang="en-US" dirty="0" smtClean="0"/>
+              <a:t>需求</a:t>
+            </a:r>
+            <a:endParaRPr lang="en-US" altLang="zh-CN" dirty="0" smtClean="0"/>
+          </a:p>
+          <a:p>
+            <a:pPr marL="342900" indent="-342900">
+              <a:buFont typeface="+mj-lt"/>
+              <a:buAutoNum type="arabicPeriod"/>
+            </a:pPr>
+            <a:r>
+              <a:rPr lang="zh-CN" altLang="en-US" dirty="0"/>
+              <a:t>支持对序列中的任意元素进行快速直接</a:t>
+            </a:r>
+            <a:r>
+              <a:rPr lang="zh-CN" altLang="en-US" dirty="0" smtClean="0"/>
+              <a:t>访问</a:t>
+            </a:r>
+            <a:endParaRPr lang="en-US" altLang="zh-CN" dirty="0" smtClean="0"/>
+          </a:p>
+          <a:p>
+            <a:pPr marL="342900" indent="-342900">
+              <a:buFont typeface="+mj-lt"/>
+              <a:buAutoNum type="arabicPeriod"/>
+            </a:pPr>
+            <a:endParaRPr lang="en-US" altLang="zh-CN" dirty="0"/>
+          </a:p>
+          <a:p>
+            <a:r>
+              <a:rPr lang="zh-CN" altLang="en-US" dirty="0" smtClean="0"/>
+              <a:t>注意点：</a:t>
+            </a:r>
+            <a:endParaRPr lang="en-US" altLang="zh-CN" dirty="0" smtClean="0"/>
+          </a:p>
+          <a:p>
+            <a:pPr marL="342900" indent="-342900">
+              <a:buAutoNum type="arabicPeriod"/>
+            </a:pPr>
+            <a:r>
+              <a:rPr lang="zh-CN" altLang="en-US" dirty="0" smtClean="0"/>
+              <a:t>越界访问，崩溃</a:t>
+            </a:r>
+            <a:endParaRPr lang="en-US" altLang="zh-CN" dirty="0" smtClean="0"/>
+          </a:p>
+          <a:p>
+            <a:pPr marL="342900" indent="-342900">
+              <a:buAutoNum type="arabicPeriod"/>
+            </a:pPr>
+            <a:r>
+              <a:rPr lang="en-US" altLang="zh-CN" dirty="0" smtClean="0"/>
+              <a:t>Capacity</a:t>
+            </a:r>
+            <a:r>
+              <a:rPr lang="zh-CN" altLang="en-US" dirty="0" smtClean="0"/>
+              <a:t>动态扩大的优劣（内存占用）</a:t>
+            </a:r>
+            <a:r>
+              <a:rPr lang="en-US" altLang="zh-CN" dirty="0" smtClean="0"/>
+              <a:t>, resize</a:t>
+            </a:r>
+            <a:r>
+              <a:rPr lang="zh-CN" altLang="en-US" dirty="0" smtClean="0"/>
+              <a:t>的使用</a:t>
+            </a:r>
+            <a:endParaRPr lang="en-US" altLang="zh-CN" dirty="0" smtClean="0"/>
+          </a:p>
+        </p:txBody>
+      </p:sp>
+      <p:pic>
+        <p:nvPicPr>
+          <p:cNvPr id="2" name="图片 1"/>
+          <p:cNvPicPr>
+            <a:picLocks noChangeAspect="1"/>
+          </p:cNvPicPr>
+          <p:nvPr/>
+        </p:nvPicPr>
+        <p:blipFill>
+          <a:blip r:embed="rId3"/>
+          <a:stretch>
+            <a:fillRect/>
+          </a:stretch>
+        </p:blipFill>
+        <p:spPr>
+          <a:xfrm>
+            <a:off x="6824971" y="3803316"/>
+            <a:ext cx="4942857" cy="2780952"/>
+          </a:xfrm>
+          <a:prstGeom prst="rect">
+            <a:avLst/>
+          </a:prstGeom>
+        </p:spPr>
+      </p:pic>
+    </p:spTree>
+    <p:extLst>
+      <p:ext uri="{BB962C8B-B14F-4D97-AF65-F5344CB8AC3E}">
+        <p14:creationId xmlns:p14="http://schemas.microsoft.com/office/powerpoint/2010/main" val="4220616230"/>
+      </p:ext>
+    </p:extLst>
+  </p:cSld>
+  <p:clrMapOvr>
+    <a:masterClrMapping/>
+  </p:clrMapOvr>
+  <p:timing>
+    <p:tnLst>
+      <p:par>
+        <p:cTn id="1" dur="indefinite" restart="never" nodeType="tmRoot"/>
+      </p:par>
+    </p:tnLst>
+  </p:timing>
+</p:sld>
+</file>
+
+<file path=ppt/slides/slide42.xml><?xml version="1.0" encoding="utf-8"?>
+<p:sld xmlns:a="http://schemas.openxmlformats.org/drawingml/2006/main" xmlns:r="http://schemas.openxmlformats.org/officeDocument/2006/relationships" xmlns:p="http://schemas.openxmlformats.org/presentationml/2006/main">
+  <p:cSld>
+    <p:spTree>
+      <p:nvGrpSpPr>
+        <p:cNvPr id="1" name=""/>
+        <p:cNvGrpSpPr/>
+        <p:nvPr/>
+      </p:nvGrpSpPr>
+      <p:grpSpPr>
+        <a:xfrm>
+          <a:off x="0" y="0"/>
+          <a:ext cx="0" cy="0"/>
+          <a:chOff x="0" y="0"/>
+          <a:chExt cx="0" cy="0"/>
+        </a:xfrm>
+      </p:grpSpPr>
+      <p:sp>
+        <p:nvSpPr>
+          <p:cNvPr id="4" name="文本框 3"/>
+          <p:cNvSpPr txBox="1"/>
+          <p:nvPr/>
+        </p:nvSpPr>
+        <p:spPr>
+          <a:xfrm>
+            <a:off x="180975" y="161520"/>
+            <a:ext cx="3566272" cy="369332"/>
+          </a:xfrm>
+          <a:prstGeom prst="rect">
+            <a:avLst/>
+          </a:prstGeom>
+          <a:noFill/>
+        </p:spPr>
+        <p:txBody>
+          <a:bodyPr wrap="square" rtlCol="0">
+            <a:spAutoFit/>
+          </a:bodyPr>
+          <a:lstStyle/>
+          <a:p>
+            <a:r>
+              <a:rPr lang="en-US" altLang="zh-CN" dirty="0" smtClean="0">
+                <a:solidFill>
+                  <a:schemeClr val="bg1"/>
+                </a:solidFill>
+                <a:cs typeface="+mn-ea"/>
+              </a:rPr>
+              <a:t>STL-list</a:t>
+            </a:r>
+            <a:endParaRPr lang="zh-CN" altLang="en-US" dirty="0">
+              <a:solidFill>
+                <a:schemeClr val="bg1"/>
+              </a:solidFill>
+              <a:cs typeface="+mn-ea"/>
+            </a:endParaRPr>
+          </a:p>
+        </p:txBody>
+      </p:sp>
+      <p:pic>
+        <p:nvPicPr>
+          <p:cNvPr id="5" name="图片 4" descr="33"/>
+          <p:cNvPicPr>
+            <a:picLocks noChangeAspect="1"/>
+          </p:cNvPicPr>
+          <p:nvPr/>
+        </p:nvPicPr>
+        <p:blipFill>
+          <a:blip r:embed="rId2"/>
+          <a:stretch>
+            <a:fillRect/>
+          </a:stretch>
+        </p:blipFill>
+        <p:spPr>
+          <a:xfrm>
+            <a:off x="8810625" y="192405"/>
+            <a:ext cx="2076450" cy="200660"/>
+          </a:xfrm>
+          <a:prstGeom prst="rect">
+            <a:avLst/>
+          </a:prstGeom>
+        </p:spPr>
+      </p:pic>
+      <p:sp>
+        <p:nvSpPr>
+          <p:cNvPr id="6" name="文本框 5"/>
+          <p:cNvSpPr txBox="1"/>
+          <p:nvPr/>
+        </p:nvSpPr>
+        <p:spPr>
+          <a:xfrm>
+            <a:off x="10887075" y="22903"/>
+            <a:ext cx="1274708" cy="456535"/>
+          </a:xfrm>
+          <a:prstGeom prst="rect">
+            <a:avLst/>
+          </a:prstGeom>
+          <a:noFill/>
+        </p:spPr>
+        <p:txBody>
+          <a:bodyPr wrap="none" rtlCol="0">
+            <a:spAutoFit/>
+          </a:bodyPr>
+          <a:lstStyle/>
+          <a:p>
+            <a:pPr>
+              <a:lnSpc>
+                <a:spcPct val="150000"/>
+              </a:lnSpc>
+            </a:pPr>
+            <a:r>
+              <a:rPr lang="en-US" altLang="zh-CN" b="1" dirty="0">
+                <a:solidFill>
+                  <a:schemeClr val="bg1"/>
+                </a:solidFill>
+                <a:cs typeface="+mn-ea"/>
+                <a:sym typeface="+mn-lt"/>
+              </a:rPr>
+              <a:t>· </a:t>
+            </a:r>
+            <a:r>
+              <a:rPr lang="en-US" altLang="zh-CN" dirty="0">
+                <a:solidFill>
+                  <a:schemeClr val="bg1"/>
+                </a:solidFill>
+                <a:cs typeface="+mn-ea"/>
+                <a:sym typeface="+mn-lt"/>
+              </a:rPr>
+              <a:t>GTJ2018</a:t>
+            </a:r>
+          </a:p>
+        </p:txBody>
+      </p:sp>
+      <p:sp>
+        <p:nvSpPr>
+          <p:cNvPr id="12" name="矩形 11"/>
+          <p:cNvSpPr/>
+          <p:nvPr/>
+        </p:nvSpPr>
+        <p:spPr>
+          <a:xfrm>
+            <a:off x="180975" y="1118711"/>
+            <a:ext cx="8685938" cy="3416320"/>
+          </a:xfrm>
+          <a:prstGeom prst="rect">
+            <a:avLst/>
+          </a:prstGeom>
+        </p:spPr>
+        <p:txBody>
+          <a:bodyPr wrap="square">
+            <a:spAutoFit/>
+          </a:bodyPr>
+          <a:lstStyle/>
+          <a:p>
+            <a:r>
+              <a:rPr lang="zh-CN" altLang="en-US" dirty="0" smtClean="0"/>
+              <a:t>链表（</a:t>
+            </a:r>
+            <a:r>
+              <a:rPr lang="en-US" altLang="zh-CN" dirty="0" smtClean="0"/>
+              <a:t>list</a:t>
+            </a:r>
+            <a:r>
+              <a:rPr lang="zh-CN" altLang="en-US" dirty="0" smtClean="0"/>
+              <a:t>）是一个非连续的线性存储结构（单链表、双链表）</a:t>
+            </a:r>
+            <a:endParaRPr lang="en-US" altLang="zh-CN" dirty="0" smtClean="0"/>
+          </a:p>
+          <a:p>
+            <a:endParaRPr lang="en-US" altLang="zh-CN" dirty="0">
+              <a:solidFill>
+                <a:srgbClr val="333333"/>
+              </a:solidFill>
+              <a:latin typeface="Helvetica Neue"/>
+            </a:endParaRPr>
+          </a:p>
+          <a:p>
+            <a:r>
+              <a:rPr lang="zh-CN" altLang="en-US" dirty="0" smtClean="0">
+                <a:solidFill>
+                  <a:srgbClr val="333333"/>
+                </a:solidFill>
+                <a:latin typeface="Helvetica Neue"/>
+              </a:rPr>
+              <a:t>特点：</a:t>
+            </a:r>
+            <a:endParaRPr lang="en-US" altLang="zh-CN" dirty="0" smtClean="0">
+              <a:solidFill>
+                <a:srgbClr val="333333"/>
+              </a:solidFill>
+              <a:latin typeface="Helvetica Neue"/>
+            </a:endParaRPr>
+          </a:p>
+          <a:p>
+            <a:pPr marL="342900" indent="-342900">
+              <a:buFont typeface="+mj-lt"/>
+              <a:buAutoNum type="arabicPeriod"/>
+            </a:pPr>
+            <a:r>
+              <a:rPr lang="zh-CN" altLang="en-US" dirty="0" smtClean="0"/>
+              <a:t>不</a:t>
+            </a:r>
+            <a:r>
+              <a:rPr lang="zh-CN" altLang="en-US" dirty="0"/>
+              <a:t>使用连续的内存</a:t>
+            </a:r>
+            <a:r>
+              <a:rPr lang="zh-CN" altLang="en-US" dirty="0" smtClean="0"/>
+              <a:t>空间</a:t>
+            </a:r>
+            <a:endParaRPr lang="en-US" altLang="zh-CN" dirty="0" smtClean="0"/>
+          </a:p>
+          <a:p>
+            <a:pPr marL="342900" indent="-342900">
+              <a:buFont typeface="+mj-lt"/>
+              <a:buAutoNum type="arabicPeriod"/>
+            </a:pPr>
+            <a:r>
+              <a:rPr lang="zh-CN" altLang="en-US" dirty="0" smtClean="0"/>
+              <a:t>可以</a:t>
+            </a:r>
+            <a:r>
+              <a:rPr lang="zh-CN" altLang="en-US" dirty="0"/>
+              <a:t>在内部任何</a:t>
+            </a:r>
+            <a:r>
+              <a:rPr lang="zh-CN" altLang="en-US" dirty="0" smtClean="0"/>
+              <a:t>位置插入</a:t>
+            </a:r>
+            <a:r>
+              <a:rPr lang="zh-CN" altLang="en-US" dirty="0"/>
+              <a:t>或删除，当然也可以在两端进行</a:t>
+            </a:r>
+            <a:r>
+              <a:rPr lang="en-US" altLang="zh-CN" dirty="0"/>
+              <a:t>push </a:t>
+            </a:r>
+            <a:r>
+              <a:rPr lang="zh-CN" altLang="en-US" dirty="0"/>
+              <a:t>和</a:t>
+            </a:r>
+            <a:r>
+              <a:rPr lang="en-US" altLang="zh-CN" dirty="0"/>
+              <a:t>pop </a:t>
+            </a:r>
+            <a:r>
+              <a:rPr lang="zh-CN" altLang="en-US" dirty="0" smtClean="0"/>
+              <a:t>。</a:t>
+            </a:r>
+            <a:endParaRPr lang="en-US" altLang="zh-CN" dirty="0" smtClean="0"/>
+          </a:p>
+          <a:p>
+            <a:pPr marL="342900" indent="-342900">
+              <a:buFont typeface="+mj-lt"/>
+              <a:buAutoNum type="arabicPeriod"/>
+            </a:pPr>
+            <a:r>
+              <a:rPr lang="zh-CN" altLang="en-US" dirty="0" smtClean="0"/>
+              <a:t>不能</a:t>
+            </a:r>
+            <a:r>
+              <a:rPr lang="zh-CN" altLang="en-US" dirty="0"/>
+              <a:t>进行内部的随机访问，即不支持</a:t>
+            </a:r>
+            <a:r>
+              <a:rPr lang="en-US" altLang="zh-CN" dirty="0"/>
+              <a:t>[ ] </a:t>
+            </a:r>
+            <a:r>
+              <a:rPr lang="zh-CN" altLang="en-US" dirty="0"/>
+              <a:t>操作符</a:t>
+            </a:r>
+            <a:r>
+              <a:rPr lang="zh-CN" altLang="en-US" dirty="0" smtClean="0"/>
+              <a:t>和</a:t>
+            </a:r>
+            <a:r>
+              <a:rPr lang="en-US" altLang="zh-CN" dirty="0" smtClean="0"/>
+              <a:t>.</a:t>
+            </a:r>
+            <a:r>
+              <a:rPr lang="en-US" altLang="zh-CN" dirty="0"/>
+              <a:t>at() </a:t>
+            </a:r>
+            <a:r>
+              <a:rPr lang="zh-CN" altLang="en-US" dirty="0" smtClean="0"/>
+              <a:t>；</a:t>
+            </a:r>
+            <a:endParaRPr lang="en-US" altLang="zh-CN" dirty="0" smtClean="0"/>
+          </a:p>
+          <a:p>
+            <a:pPr marL="342900" indent="-342900">
+              <a:buFont typeface="+mj-lt"/>
+              <a:buAutoNum type="arabicPeriod"/>
+            </a:pPr>
+            <a:r>
+              <a:rPr lang="zh-CN" altLang="en-US" dirty="0" smtClean="0"/>
+              <a:t>相对</a:t>
+            </a:r>
+            <a:r>
+              <a:rPr lang="zh-CN" altLang="en-US" dirty="0"/>
+              <a:t>于</a:t>
+            </a:r>
+            <a:r>
+              <a:rPr lang="en-US" altLang="zh-CN" dirty="0" err="1"/>
+              <a:t>verctor</a:t>
+            </a:r>
+            <a:r>
+              <a:rPr lang="en-US" altLang="zh-CN" dirty="0"/>
+              <a:t> </a:t>
+            </a:r>
+            <a:r>
+              <a:rPr lang="zh-CN" altLang="en-US" dirty="0"/>
+              <a:t>占用更多的</a:t>
+            </a:r>
+            <a:r>
+              <a:rPr lang="zh-CN" altLang="en-US" dirty="0" smtClean="0"/>
+              <a:t>内存（</a:t>
+            </a:r>
+            <a:r>
+              <a:rPr lang="en-US" altLang="zh-CN" dirty="0" err="1" smtClean="0"/>
+              <a:t>prev,next</a:t>
+            </a:r>
+            <a:r>
+              <a:rPr lang="zh-CN" altLang="en-US" dirty="0" smtClean="0"/>
+              <a:t>指针）</a:t>
+            </a:r>
+            <a:endParaRPr lang="en-US" altLang="zh-CN" dirty="0" smtClean="0"/>
+          </a:p>
+          <a:p>
+            <a:pPr marL="342900" indent="-342900">
+              <a:buFont typeface="+mj-lt"/>
+              <a:buAutoNum type="arabicPeriod"/>
+            </a:pPr>
+            <a:endParaRPr lang="en-US" altLang="zh-CN" dirty="0">
+              <a:solidFill>
+                <a:srgbClr val="333333"/>
+              </a:solidFill>
+              <a:latin typeface="Helvetica Neue"/>
+            </a:endParaRPr>
+          </a:p>
+          <a:p>
+            <a:r>
+              <a:rPr lang="zh-CN" altLang="en-US" dirty="0" smtClean="0">
+                <a:solidFill>
+                  <a:srgbClr val="333333"/>
+                </a:solidFill>
+                <a:latin typeface="Helvetica Neue"/>
+              </a:rPr>
+              <a:t>用处：</a:t>
+            </a:r>
+            <a:endParaRPr lang="en-US" altLang="zh-CN" dirty="0" smtClean="0">
+              <a:solidFill>
+                <a:srgbClr val="333333"/>
+              </a:solidFill>
+              <a:latin typeface="Helvetica Neue"/>
+            </a:endParaRPr>
+          </a:p>
+          <a:p>
+            <a:r>
+              <a:rPr lang="zh-CN" altLang="en-US" dirty="0" smtClean="0">
+                <a:solidFill>
+                  <a:srgbClr val="333333"/>
+                </a:solidFill>
+                <a:latin typeface="Helvetica Neue"/>
+              </a:rPr>
+              <a:t>快速增删节点</a:t>
+            </a:r>
+            <a:endParaRPr lang="en-US" altLang="zh-CN" dirty="0">
+              <a:solidFill>
+                <a:srgbClr val="333333"/>
+              </a:solidFill>
+              <a:latin typeface="Helvetica Neue"/>
+            </a:endParaRPr>
+          </a:p>
+          <a:p>
+            <a:endParaRPr lang="en-US" altLang="zh-CN" dirty="0" smtClean="0">
+              <a:solidFill>
+                <a:srgbClr val="333333"/>
+              </a:solidFill>
+              <a:latin typeface="Helvetica Neue"/>
+            </a:endParaRPr>
+          </a:p>
+          <a:p>
+            <a:r>
+              <a:rPr lang="zh-CN" altLang="en-US" dirty="0" smtClean="0">
+                <a:solidFill>
+                  <a:srgbClr val="333333"/>
+                </a:solidFill>
+                <a:latin typeface="Helvetica Neue"/>
+              </a:rPr>
+              <a:t>注意环形</a:t>
+            </a:r>
+            <a:r>
+              <a:rPr lang="en-US" altLang="zh-CN" dirty="0" smtClean="0">
+                <a:solidFill>
+                  <a:srgbClr val="333333"/>
+                </a:solidFill>
+                <a:latin typeface="Helvetica Neue"/>
+              </a:rPr>
+              <a:t>list</a:t>
+            </a:r>
+            <a:r>
+              <a:rPr lang="zh-CN" altLang="en-US" dirty="0" smtClean="0">
+                <a:solidFill>
+                  <a:srgbClr val="333333"/>
+                </a:solidFill>
+                <a:latin typeface="Helvetica Neue"/>
+              </a:rPr>
+              <a:t>，避免遍历死循环。如何检查</a:t>
+            </a:r>
+            <a:r>
+              <a:rPr lang="en-US" altLang="zh-CN" dirty="0" smtClean="0">
+                <a:solidFill>
+                  <a:srgbClr val="333333"/>
+                </a:solidFill>
+                <a:latin typeface="Helvetica Neue"/>
+              </a:rPr>
+              <a:t>list</a:t>
+            </a:r>
+            <a:r>
+              <a:rPr lang="zh-CN" altLang="en-US" dirty="0" smtClean="0">
+                <a:solidFill>
+                  <a:srgbClr val="333333"/>
+                </a:solidFill>
+                <a:latin typeface="Helvetica Neue"/>
+              </a:rPr>
+              <a:t>内是否有环？</a:t>
+            </a:r>
+            <a:endParaRPr lang="en-US" altLang="zh-CN" dirty="0" smtClean="0">
+              <a:solidFill>
+                <a:srgbClr val="333333"/>
+              </a:solidFill>
+              <a:latin typeface="Helvetica Neue"/>
+            </a:endParaRPr>
+          </a:p>
+        </p:txBody>
+      </p:sp>
+      <p:pic>
+        <p:nvPicPr>
+          <p:cNvPr id="2" name="图片 1"/>
+          <p:cNvPicPr>
+            <a:picLocks noChangeAspect="1"/>
+          </p:cNvPicPr>
+          <p:nvPr/>
+        </p:nvPicPr>
+        <p:blipFill>
+          <a:blip r:embed="rId3"/>
+          <a:stretch>
+            <a:fillRect/>
+          </a:stretch>
+        </p:blipFill>
+        <p:spPr>
+          <a:xfrm>
+            <a:off x="6798123" y="4489209"/>
+            <a:ext cx="5142857" cy="1800000"/>
+          </a:xfrm>
+          <a:prstGeom prst="rect">
+            <a:avLst/>
+          </a:prstGeom>
+        </p:spPr>
+      </p:pic>
+    </p:spTree>
+    <p:extLst>
+      <p:ext uri="{BB962C8B-B14F-4D97-AF65-F5344CB8AC3E}">
+        <p14:creationId xmlns:p14="http://schemas.microsoft.com/office/powerpoint/2010/main" val="4197534989"/>
+      </p:ext>
+    </p:extLst>
+  </p:cSld>
+  <p:clrMapOvr>
+    <a:masterClrMapping/>
+  </p:clrMapOvr>
+  <p:timing>
+    <p:tnLst>
+      <p:par>
+        <p:cTn id="1" dur="indefinite" restart="never" nodeType="tmRoot"/>
+      </p:par>
+    </p:tnLst>
+  </p:timing>
+</p:sld>
+</file>
+
+<file path=ppt/slides/slide43.xml><?xml version="1.0" encoding="utf-8"?>
+<p:sld xmlns:a="http://schemas.openxmlformats.org/drawingml/2006/main" xmlns:r="http://schemas.openxmlformats.org/officeDocument/2006/relationships" xmlns:p="http://schemas.openxmlformats.org/presentationml/2006/main">
+  <p:cSld>
+    <p:spTree>
+      <p:nvGrpSpPr>
+        <p:cNvPr id="1" name=""/>
+        <p:cNvGrpSpPr/>
+        <p:nvPr/>
+      </p:nvGrpSpPr>
+      <p:grpSpPr>
+        <a:xfrm>
+          <a:off x="0" y="0"/>
+          <a:ext cx="0" cy="0"/>
+          <a:chOff x="0" y="0"/>
+          <a:chExt cx="0" cy="0"/>
+        </a:xfrm>
+      </p:grpSpPr>
+      <p:sp>
+        <p:nvSpPr>
+          <p:cNvPr id="4" name="文本框 3"/>
+          <p:cNvSpPr txBox="1"/>
+          <p:nvPr/>
+        </p:nvSpPr>
+        <p:spPr>
+          <a:xfrm>
+            <a:off x="180975" y="161520"/>
+            <a:ext cx="3566272" cy="369332"/>
+          </a:xfrm>
+          <a:prstGeom prst="rect">
+            <a:avLst/>
+          </a:prstGeom>
+          <a:noFill/>
+        </p:spPr>
+        <p:txBody>
+          <a:bodyPr wrap="square" rtlCol="0">
+            <a:spAutoFit/>
+          </a:bodyPr>
+          <a:lstStyle/>
+          <a:p>
+            <a:r>
+              <a:rPr lang="en-US" altLang="zh-CN" dirty="0" smtClean="0">
+                <a:solidFill>
+                  <a:schemeClr val="bg1"/>
+                </a:solidFill>
+                <a:cs typeface="+mn-ea"/>
+              </a:rPr>
+              <a:t>STL-stack</a:t>
+            </a:r>
+            <a:endParaRPr lang="zh-CN" altLang="en-US" dirty="0">
+              <a:solidFill>
+                <a:schemeClr val="bg1"/>
+              </a:solidFill>
+              <a:cs typeface="+mn-ea"/>
+            </a:endParaRPr>
+          </a:p>
+        </p:txBody>
+      </p:sp>
+      <p:pic>
+        <p:nvPicPr>
+          <p:cNvPr id="5" name="图片 4" descr="33"/>
+          <p:cNvPicPr>
+            <a:picLocks noChangeAspect="1"/>
+          </p:cNvPicPr>
+          <p:nvPr/>
+        </p:nvPicPr>
+        <p:blipFill>
+          <a:blip r:embed="rId2"/>
+          <a:stretch>
+            <a:fillRect/>
+          </a:stretch>
+        </p:blipFill>
+        <p:spPr>
+          <a:xfrm>
+            <a:off x="8810625" y="192405"/>
+            <a:ext cx="2076450" cy="200660"/>
+          </a:xfrm>
+          <a:prstGeom prst="rect">
+            <a:avLst/>
+          </a:prstGeom>
+        </p:spPr>
+      </p:pic>
+      <p:sp>
+        <p:nvSpPr>
+          <p:cNvPr id="6" name="文本框 5"/>
+          <p:cNvSpPr txBox="1"/>
+          <p:nvPr/>
+        </p:nvSpPr>
+        <p:spPr>
+          <a:xfrm>
+            <a:off x="10887075" y="22903"/>
+            <a:ext cx="1274708" cy="456535"/>
+          </a:xfrm>
+          <a:prstGeom prst="rect">
+            <a:avLst/>
+          </a:prstGeom>
+          <a:noFill/>
+        </p:spPr>
+        <p:txBody>
+          <a:bodyPr wrap="none" rtlCol="0">
+            <a:spAutoFit/>
+          </a:bodyPr>
+          <a:lstStyle/>
+          <a:p>
+            <a:pPr>
+              <a:lnSpc>
+                <a:spcPct val="150000"/>
+              </a:lnSpc>
+            </a:pPr>
+            <a:r>
+              <a:rPr lang="en-US" altLang="zh-CN" b="1" dirty="0">
+                <a:solidFill>
+                  <a:schemeClr val="bg1"/>
+                </a:solidFill>
+                <a:cs typeface="+mn-ea"/>
+                <a:sym typeface="+mn-lt"/>
+              </a:rPr>
+              <a:t>· </a:t>
+            </a:r>
+            <a:r>
+              <a:rPr lang="en-US" altLang="zh-CN" dirty="0">
+                <a:solidFill>
+                  <a:schemeClr val="bg1"/>
+                </a:solidFill>
+                <a:cs typeface="+mn-ea"/>
+                <a:sym typeface="+mn-lt"/>
+              </a:rPr>
+              <a:t>GTJ2018</a:t>
+            </a:r>
+          </a:p>
+        </p:txBody>
+      </p:sp>
+      <p:sp>
+        <p:nvSpPr>
+          <p:cNvPr id="12" name="矩形 11"/>
+          <p:cNvSpPr/>
+          <p:nvPr/>
+        </p:nvSpPr>
+        <p:spPr>
+          <a:xfrm>
+            <a:off x="180975" y="1118711"/>
+            <a:ext cx="8685938" cy="1477328"/>
+          </a:xfrm>
+          <a:prstGeom prst="rect">
+            <a:avLst/>
+          </a:prstGeom>
+        </p:spPr>
+        <p:txBody>
+          <a:bodyPr wrap="square">
+            <a:spAutoFit/>
+          </a:bodyPr>
+          <a:lstStyle/>
+          <a:p>
+            <a:r>
+              <a:rPr lang="en-US" altLang="zh-CN" dirty="0"/>
+              <a:t>Stack(</a:t>
+            </a:r>
+            <a:r>
+              <a:rPr lang="zh-CN" altLang="en-US" dirty="0"/>
+              <a:t>栈</a:t>
+            </a:r>
+            <a:r>
+              <a:rPr lang="en-US" altLang="zh-CN" dirty="0" smtClean="0"/>
+              <a:t>)</a:t>
+            </a:r>
+            <a:r>
+              <a:rPr lang="zh-CN" altLang="en-US" dirty="0" smtClean="0"/>
+              <a:t>是</a:t>
+            </a:r>
+            <a:r>
+              <a:rPr lang="zh-CN" altLang="en-US" dirty="0"/>
+              <a:t>一种</a:t>
+            </a:r>
+            <a:r>
+              <a:rPr lang="zh-CN" altLang="en-US" dirty="0" smtClean="0"/>
+              <a:t>后进先出</a:t>
+            </a:r>
+            <a:r>
+              <a:rPr lang="zh-CN" altLang="en-US" dirty="0"/>
+              <a:t>的</a:t>
+            </a:r>
+            <a:r>
+              <a:rPr lang="zh-CN" altLang="en-US" dirty="0" smtClean="0"/>
+              <a:t>数据结构</a:t>
+            </a:r>
+            <a:r>
+              <a:rPr lang="zh-CN" altLang="en-US" dirty="0"/>
+              <a:t>，</a:t>
+            </a:r>
+            <a:r>
+              <a:rPr lang="zh-CN" altLang="en-US" dirty="0" smtClean="0"/>
+              <a:t>它</a:t>
+            </a:r>
+            <a:r>
+              <a:rPr lang="zh-CN" altLang="en-US" dirty="0"/>
+              <a:t>只允许</a:t>
+            </a:r>
+            <a:r>
+              <a:rPr lang="zh-CN" altLang="en-US" dirty="0" smtClean="0"/>
+              <a:t>在栈</a:t>
+            </a:r>
+            <a:r>
+              <a:rPr lang="zh-CN" altLang="en-US" dirty="0"/>
+              <a:t>顶</a:t>
+            </a:r>
+            <a:r>
+              <a:rPr lang="zh-CN" altLang="en-US" dirty="0" smtClean="0"/>
+              <a:t>进行增删操作。</a:t>
+            </a:r>
+            <a:endParaRPr lang="en-US" altLang="zh-CN" dirty="0" smtClean="0"/>
+          </a:p>
+          <a:p>
+            <a:endParaRPr lang="en-US" altLang="zh-CN" dirty="0" smtClean="0"/>
+          </a:p>
+          <a:p>
+            <a:r>
+              <a:rPr lang="zh-CN" altLang="en-US" dirty="0" smtClean="0">
+                <a:solidFill>
+                  <a:srgbClr val="333333"/>
+                </a:solidFill>
+                <a:latin typeface="Helvetica Neue"/>
+              </a:rPr>
+              <a:t>特点：后进先出</a:t>
+            </a:r>
+            <a:endParaRPr lang="en-US" altLang="zh-CN" dirty="0" smtClean="0">
+              <a:solidFill>
+                <a:srgbClr val="333333"/>
+              </a:solidFill>
+              <a:latin typeface="Helvetica Neue"/>
+            </a:endParaRPr>
+          </a:p>
+          <a:p>
+            <a:endParaRPr lang="en-US" altLang="zh-CN" dirty="0" smtClean="0">
+              <a:solidFill>
+                <a:srgbClr val="333333"/>
+              </a:solidFill>
+              <a:latin typeface="Helvetica Neue"/>
+            </a:endParaRPr>
+          </a:p>
+          <a:p>
+            <a:r>
+              <a:rPr lang="zh-CN" altLang="en-US" dirty="0" smtClean="0">
+                <a:solidFill>
+                  <a:srgbClr val="333333"/>
+                </a:solidFill>
+                <a:latin typeface="Helvetica Neue"/>
+              </a:rPr>
+              <a:t>用处</a:t>
+            </a:r>
+            <a:r>
+              <a:rPr lang="zh-CN" altLang="en-US" dirty="0">
+                <a:solidFill>
+                  <a:srgbClr val="333333"/>
+                </a:solidFill>
+                <a:latin typeface="Helvetica Neue"/>
+              </a:rPr>
+              <a:t>：</a:t>
+            </a:r>
+            <a:r>
+              <a:rPr lang="zh-CN" altLang="en-US" dirty="0" smtClean="0">
+                <a:solidFill>
+                  <a:srgbClr val="333333"/>
+                </a:solidFill>
+                <a:latin typeface="Helvetica Neue"/>
+              </a:rPr>
+              <a:t>四则运算、变量作用域、</a:t>
+            </a:r>
+            <a:r>
+              <a:rPr lang="en-US" altLang="zh-CN" dirty="0" smtClean="0">
+                <a:solidFill>
+                  <a:srgbClr val="333333"/>
+                </a:solidFill>
+                <a:latin typeface="Helvetica Neue"/>
+              </a:rPr>
+              <a:t>DFS</a:t>
+            </a:r>
+          </a:p>
+        </p:txBody>
+      </p:sp>
+      <p:pic>
+        <p:nvPicPr>
+          <p:cNvPr id="2" name="图片 1"/>
+          <p:cNvPicPr>
+            <a:picLocks noChangeAspect="1"/>
+          </p:cNvPicPr>
+          <p:nvPr/>
+        </p:nvPicPr>
+        <p:blipFill>
+          <a:blip r:embed="rId3"/>
+          <a:stretch>
+            <a:fillRect/>
+          </a:stretch>
+        </p:blipFill>
+        <p:spPr>
+          <a:xfrm>
+            <a:off x="7872659" y="3138899"/>
+            <a:ext cx="3952381" cy="3542857"/>
+          </a:xfrm>
+          <a:prstGeom prst="rect">
+            <a:avLst/>
+          </a:prstGeom>
+        </p:spPr>
+      </p:pic>
+    </p:spTree>
+    <p:extLst>
+      <p:ext uri="{BB962C8B-B14F-4D97-AF65-F5344CB8AC3E}">
+        <p14:creationId xmlns:p14="http://schemas.microsoft.com/office/powerpoint/2010/main" val="3956220705"/>
+      </p:ext>
+    </p:extLst>
+  </p:cSld>
+  <p:clrMapOvr>
+    <a:masterClrMapping/>
+  </p:clrMapOvr>
+  <p:timing>
+    <p:tnLst>
+      <p:par>
+        <p:cTn id="1" dur="indefinite" restart="never" nodeType="tmRoot"/>
+      </p:par>
+    </p:tnLst>
+  </p:timing>
+</p:sld>
+</file>
+
+<file path=ppt/slides/slide44.xml><?xml version="1.0" encoding="utf-8"?>
+<p:sld xmlns:a="http://schemas.openxmlformats.org/drawingml/2006/main" xmlns:r="http://schemas.openxmlformats.org/officeDocument/2006/relationships" xmlns:p="http://schemas.openxmlformats.org/presentationml/2006/main">
+  <p:cSld>
+    <p:spTree>
+      <p:nvGrpSpPr>
+        <p:cNvPr id="1" name=""/>
+        <p:cNvGrpSpPr/>
+        <p:nvPr/>
+      </p:nvGrpSpPr>
+      <p:grpSpPr>
+        <a:xfrm>
+          <a:off x="0" y="0"/>
+          <a:ext cx="0" cy="0"/>
+          <a:chOff x="0" y="0"/>
+          <a:chExt cx="0" cy="0"/>
+        </a:xfrm>
+      </p:grpSpPr>
+      <p:sp>
+        <p:nvSpPr>
+          <p:cNvPr id="4" name="文本框 3"/>
+          <p:cNvSpPr txBox="1"/>
+          <p:nvPr/>
+        </p:nvSpPr>
+        <p:spPr>
+          <a:xfrm>
+            <a:off x="180975" y="161520"/>
+            <a:ext cx="3566272" cy="369332"/>
+          </a:xfrm>
+          <a:prstGeom prst="rect">
+            <a:avLst/>
+          </a:prstGeom>
+          <a:noFill/>
+        </p:spPr>
+        <p:txBody>
+          <a:bodyPr wrap="square" rtlCol="0">
+            <a:spAutoFit/>
+          </a:bodyPr>
+          <a:lstStyle/>
+          <a:p>
+            <a:r>
+              <a:rPr lang="en-US" altLang="zh-CN" dirty="0" smtClean="0">
+                <a:solidFill>
+                  <a:schemeClr val="bg1"/>
+                </a:solidFill>
+                <a:cs typeface="+mn-ea"/>
+              </a:rPr>
+              <a:t>STL-queue</a:t>
+            </a:r>
+            <a:endParaRPr lang="zh-CN" altLang="en-US" dirty="0">
+              <a:solidFill>
+                <a:schemeClr val="bg1"/>
+              </a:solidFill>
+              <a:cs typeface="+mn-ea"/>
+            </a:endParaRPr>
+          </a:p>
+        </p:txBody>
+      </p:sp>
+      <p:pic>
+        <p:nvPicPr>
+          <p:cNvPr id="5" name="图片 4" descr="33"/>
+          <p:cNvPicPr>
+            <a:picLocks noChangeAspect="1"/>
+          </p:cNvPicPr>
+          <p:nvPr/>
+        </p:nvPicPr>
+        <p:blipFill>
+          <a:blip r:embed="rId2"/>
+          <a:stretch>
+            <a:fillRect/>
+          </a:stretch>
+        </p:blipFill>
+        <p:spPr>
+          <a:xfrm>
+            <a:off x="8810625" y="192405"/>
+            <a:ext cx="2076450" cy="200660"/>
+          </a:xfrm>
+          <a:prstGeom prst="rect">
+            <a:avLst/>
+          </a:prstGeom>
+        </p:spPr>
+      </p:pic>
+      <p:sp>
+        <p:nvSpPr>
+          <p:cNvPr id="6" name="文本框 5"/>
+          <p:cNvSpPr txBox="1"/>
+          <p:nvPr/>
+        </p:nvSpPr>
+        <p:spPr>
+          <a:xfrm>
+            <a:off x="10887075" y="22903"/>
+            <a:ext cx="1274708" cy="456535"/>
+          </a:xfrm>
+          <a:prstGeom prst="rect">
+            <a:avLst/>
+          </a:prstGeom>
+          <a:noFill/>
+        </p:spPr>
+        <p:txBody>
+          <a:bodyPr wrap="none" rtlCol="0">
+            <a:spAutoFit/>
+          </a:bodyPr>
+          <a:lstStyle/>
+          <a:p>
+            <a:pPr>
+              <a:lnSpc>
+                <a:spcPct val="150000"/>
+              </a:lnSpc>
+            </a:pPr>
+            <a:r>
+              <a:rPr lang="en-US" altLang="zh-CN" b="1" dirty="0">
+                <a:solidFill>
+                  <a:schemeClr val="bg1"/>
+                </a:solidFill>
+                <a:cs typeface="+mn-ea"/>
+                <a:sym typeface="+mn-lt"/>
+              </a:rPr>
+              <a:t>· </a:t>
+            </a:r>
+            <a:r>
+              <a:rPr lang="en-US" altLang="zh-CN" dirty="0">
+                <a:solidFill>
+                  <a:schemeClr val="bg1"/>
+                </a:solidFill>
+                <a:cs typeface="+mn-ea"/>
+                <a:sym typeface="+mn-lt"/>
+              </a:rPr>
+              <a:t>GTJ2018</a:t>
+            </a:r>
+          </a:p>
+        </p:txBody>
+      </p:sp>
+      <p:sp>
+        <p:nvSpPr>
+          <p:cNvPr id="12" name="矩形 11"/>
+          <p:cNvSpPr/>
+          <p:nvPr/>
+        </p:nvSpPr>
+        <p:spPr>
+          <a:xfrm>
+            <a:off x="180975" y="1118711"/>
+            <a:ext cx="8685938" cy="2585323"/>
+          </a:xfrm>
+          <a:prstGeom prst="rect">
+            <a:avLst/>
+          </a:prstGeom>
+        </p:spPr>
+        <p:txBody>
+          <a:bodyPr wrap="square">
+            <a:spAutoFit/>
+          </a:bodyPr>
+          <a:lstStyle/>
+          <a:p>
+            <a:r>
+              <a:rPr lang="zh-CN" altLang="en-US" dirty="0" smtClean="0"/>
+              <a:t>队列（</a:t>
+            </a:r>
+            <a:r>
+              <a:rPr lang="en-US" altLang="zh-CN" dirty="0" smtClean="0"/>
+              <a:t>queue</a:t>
+            </a:r>
+            <a:r>
+              <a:rPr lang="zh-CN" altLang="en-US" dirty="0" smtClean="0"/>
+              <a:t>）是</a:t>
+            </a:r>
+            <a:r>
+              <a:rPr lang="zh-CN" altLang="en-US" dirty="0"/>
+              <a:t>一种</a:t>
+            </a:r>
+            <a:r>
+              <a:rPr lang="zh-CN" altLang="en-US" dirty="0" smtClean="0"/>
+              <a:t>先进先出的数据结构，它</a:t>
+            </a:r>
+            <a:r>
+              <a:rPr lang="zh-CN" altLang="en-US" dirty="0"/>
+              <a:t>只允许</a:t>
+            </a:r>
+            <a:r>
+              <a:rPr lang="zh-CN" altLang="en-US" dirty="0" smtClean="0"/>
+              <a:t>在队尾进行插入操作，在队首进行删除操作。</a:t>
+            </a:r>
+            <a:endParaRPr lang="en-US" altLang="zh-CN" dirty="0" smtClean="0"/>
+          </a:p>
+          <a:p>
+            <a:endParaRPr lang="en-US" altLang="zh-CN" dirty="0"/>
+          </a:p>
+          <a:p>
+            <a:r>
+              <a:rPr lang="zh-CN" altLang="en-US" dirty="0" smtClean="0"/>
+              <a:t>特点：先进先出（</a:t>
+            </a:r>
+            <a:r>
+              <a:rPr lang="en-US" altLang="zh-CN" dirty="0" smtClean="0"/>
+              <a:t>FIFO</a:t>
+            </a:r>
+            <a:r>
+              <a:rPr lang="zh-CN" altLang="en-US" dirty="0" smtClean="0"/>
+              <a:t>）</a:t>
+            </a:r>
+            <a:endParaRPr lang="en-US" altLang="zh-CN" dirty="0" smtClean="0"/>
+          </a:p>
+          <a:p>
+            <a:endParaRPr lang="en-US" altLang="zh-CN" dirty="0"/>
+          </a:p>
+          <a:p>
+            <a:r>
+              <a:rPr lang="zh-CN" altLang="en-US" dirty="0" smtClean="0"/>
+              <a:t>用处：</a:t>
+            </a:r>
+            <a:endParaRPr lang="en-US" altLang="zh-CN" dirty="0" smtClean="0"/>
+          </a:p>
+          <a:p>
+            <a:r>
+              <a:rPr lang="zh-CN" altLang="en-US" dirty="0" smtClean="0"/>
+              <a:t>消息队列、</a:t>
+            </a:r>
+            <a:r>
+              <a:rPr lang="en-US" altLang="zh-CN" dirty="0" smtClean="0"/>
+              <a:t>BFS</a:t>
+            </a:r>
+          </a:p>
+          <a:p>
+            <a:endParaRPr lang="en-US" altLang="zh-CN" dirty="0">
+              <a:solidFill>
+                <a:srgbClr val="333333"/>
+              </a:solidFill>
+              <a:latin typeface="Helvetica Neue"/>
+            </a:endParaRPr>
+          </a:p>
+          <a:p>
+            <a:r>
+              <a:rPr lang="zh-CN" altLang="en-US" dirty="0" smtClean="0">
+                <a:solidFill>
+                  <a:srgbClr val="333333"/>
+                </a:solidFill>
+                <a:latin typeface="Helvetica Neue"/>
+              </a:rPr>
+              <a:t>了解：优先队列</a:t>
+            </a:r>
+            <a:endParaRPr lang="en-US" altLang="zh-CN" dirty="0" smtClean="0">
+              <a:solidFill>
+                <a:srgbClr val="333333"/>
+              </a:solidFill>
+              <a:latin typeface="Helvetica Neue"/>
+            </a:endParaRPr>
+          </a:p>
+        </p:txBody>
+      </p:sp>
+      <p:pic>
+        <p:nvPicPr>
+          <p:cNvPr id="2" name="图片 1"/>
+          <p:cNvPicPr>
+            <a:picLocks noChangeAspect="1"/>
+          </p:cNvPicPr>
+          <p:nvPr/>
+        </p:nvPicPr>
+        <p:blipFill>
+          <a:blip r:embed="rId3"/>
+          <a:stretch>
+            <a:fillRect/>
+          </a:stretch>
+        </p:blipFill>
+        <p:spPr>
+          <a:xfrm>
+            <a:off x="8320499" y="2781348"/>
+            <a:ext cx="3542857" cy="3819048"/>
+          </a:xfrm>
+          <a:prstGeom prst="rect">
+            <a:avLst/>
+          </a:prstGeom>
+        </p:spPr>
+      </p:pic>
+    </p:spTree>
+    <p:extLst>
+      <p:ext uri="{BB962C8B-B14F-4D97-AF65-F5344CB8AC3E}">
+        <p14:creationId xmlns:p14="http://schemas.microsoft.com/office/powerpoint/2010/main" val="2513038166"/>
+      </p:ext>
+    </p:extLst>
+  </p:cSld>
+  <p:clrMapOvr>
+    <a:masterClrMapping/>
+  </p:clrMapOvr>
+  <p:timing>
+    <p:tnLst>
+      <p:par>
+        <p:cTn id="1" dur="indefinite" restart="never" nodeType="tmRoot"/>
+      </p:par>
+    </p:tnLst>
+  </p:timing>
+</p:sld>
+</file>
+
+<file path=ppt/slides/slide45.xml><?xml version="1.0" encoding="utf-8"?>
+<p:sld xmlns:a="http://schemas.openxmlformats.org/drawingml/2006/main" xmlns:r="http://schemas.openxmlformats.org/officeDocument/2006/relationships" xmlns:p="http://schemas.openxmlformats.org/presentationml/2006/main">
+  <p:cSld>
+    <p:spTree>
+      <p:nvGrpSpPr>
+        <p:cNvPr id="1" name=""/>
+        <p:cNvGrpSpPr/>
+        <p:nvPr/>
+      </p:nvGrpSpPr>
+      <p:grpSpPr>
+        <a:xfrm>
+          <a:off x="0" y="0"/>
+          <a:ext cx="0" cy="0"/>
+          <a:chOff x="0" y="0"/>
+          <a:chExt cx="0" cy="0"/>
+        </a:xfrm>
+      </p:grpSpPr>
+      <p:sp>
+        <p:nvSpPr>
+          <p:cNvPr id="4" name="文本框 3"/>
+          <p:cNvSpPr txBox="1"/>
+          <p:nvPr/>
+        </p:nvSpPr>
+        <p:spPr>
+          <a:xfrm>
+            <a:off x="180975" y="161520"/>
+            <a:ext cx="3566272" cy="369332"/>
+          </a:xfrm>
+          <a:prstGeom prst="rect">
+            <a:avLst/>
+          </a:prstGeom>
+          <a:noFill/>
+        </p:spPr>
+        <p:txBody>
+          <a:bodyPr wrap="square" rtlCol="0">
+            <a:spAutoFit/>
+          </a:bodyPr>
+          <a:lstStyle/>
+          <a:p>
+            <a:r>
+              <a:rPr lang="zh-CN" altLang="en-US" dirty="0" smtClean="0">
+                <a:solidFill>
+                  <a:schemeClr val="bg1"/>
+                </a:solidFill>
+                <a:cs typeface="+mn-ea"/>
+              </a:rPr>
+              <a:t>二叉树</a:t>
+            </a:r>
+            <a:endParaRPr lang="zh-CN" altLang="en-US" dirty="0">
+              <a:solidFill>
+                <a:schemeClr val="bg1"/>
+              </a:solidFill>
+              <a:cs typeface="+mn-ea"/>
+            </a:endParaRPr>
+          </a:p>
+        </p:txBody>
+      </p:sp>
+      <p:pic>
+        <p:nvPicPr>
+          <p:cNvPr id="5" name="图片 4" descr="33"/>
+          <p:cNvPicPr>
+            <a:picLocks noChangeAspect="1"/>
+          </p:cNvPicPr>
+          <p:nvPr/>
+        </p:nvPicPr>
+        <p:blipFill>
+          <a:blip r:embed="rId2"/>
+          <a:stretch>
+            <a:fillRect/>
+          </a:stretch>
+        </p:blipFill>
+        <p:spPr>
+          <a:xfrm>
+            <a:off x="8810625" y="192405"/>
+            <a:ext cx="2076450" cy="200660"/>
+          </a:xfrm>
+          <a:prstGeom prst="rect">
+            <a:avLst/>
+          </a:prstGeom>
+        </p:spPr>
+      </p:pic>
+      <p:sp>
+        <p:nvSpPr>
+          <p:cNvPr id="6" name="文本框 5"/>
+          <p:cNvSpPr txBox="1"/>
+          <p:nvPr/>
+        </p:nvSpPr>
+        <p:spPr>
+          <a:xfrm>
+            <a:off x="10887075" y="22903"/>
+            <a:ext cx="1274708" cy="456535"/>
+          </a:xfrm>
+          <a:prstGeom prst="rect">
+            <a:avLst/>
+          </a:prstGeom>
+          <a:noFill/>
+        </p:spPr>
+        <p:txBody>
+          <a:bodyPr wrap="none" rtlCol="0">
+            <a:spAutoFit/>
+          </a:bodyPr>
+          <a:lstStyle/>
+          <a:p>
+            <a:pPr>
+              <a:lnSpc>
+                <a:spcPct val="150000"/>
+              </a:lnSpc>
+            </a:pPr>
+            <a:r>
+              <a:rPr lang="en-US" altLang="zh-CN" b="1" dirty="0">
+                <a:solidFill>
+                  <a:schemeClr val="bg1"/>
+                </a:solidFill>
+                <a:cs typeface="+mn-ea"/>
+                <a:sym typeface="+mn-lt"/>
+              </a:rPr>
+              <a:t>· </a:t>
+            </a:r>
+            <a:r>
+              <a:rPr lang="en-US" altLang="zh-CN" dirty="0">
+                <a:solidFill>
+                  <a:schemeClr val="bg1"/>
+                </a:solidFill>
+                <a:cs typeface="+mn-ea"/>
+                <a:sym typeface="+mn-lt"/>
+              </a:rPr>
+              <a:t>GTJ2018</a:t>
+            </a:r>
+          </a:p>
+        </p:txBody>
+      </p:sp>
+      <p:sp>
+        <p:nvSpPr>
+          <p:cNvPr id="12" name="矩形 11"/>
+          <p:cNvSpPr/>
+          <p:nvPr/>
+        </p:nvSpPr>
+        <p:spPr>
+          <a:xfrm>
+            <a:off x="180974" y="1118711"/>
+            <a:ext cx="9456801" cy="1200329"/>
+          </a:xfrm>
+          <a:prstGeom prst="rect">
+            <a:avLst/>
+          </a:prstGeom>
+        </p:spPr>
+        <p:txBody>
+          <a:bodyPr wrap="square">
+            <a:spAutoFit/>
+          </a:bodyPr>
+          <a:lstStyle/>
+          <a:p>
+            <a:r>
+              <a:rPr lang="zh-CN" altLang="en-US" dirty="0"/>
+              <a:t>二叉树是每个结点最多有两个子树的树结构。通常子树被称作“左子树”（</a:t>
+            </a:r>
+            <a:r>
+              <a:rPr lang="en-US" altLang="zh-CN" dirty="0"/>
+              <a:t>left subtree</a:t>
+            </a:r>
+            <a:r>
+              <a:rPr lang="zh-CN" altLang="en-US" dirty="0"/>
+              <a:t>）和“右子树”（</a:t>
+            </a:r>
+            <a:r>
+              <a:rPr lang="en-US" altLang="zh-CN" dirty="0"/>
+              <a:t>right subtree</a:t>
+            </a:r>
+            <a:r>
+              <a:rPr lang="zh-CN" altLang="en-US" dirty="0"/>
+              <a:t>）。二叉树常被用于实现二叉查找树和二叉堆</a:t>
+            </a:r>
+            <a:r>
+              <a:rPr lang="zh-CN" altLang="en-US" dirty="0" smtClean="0"/>
+              <a:t>。</a:t>
+            </a:r>
+            <a:endParaRPr lang="en-US" altLang="zh-CN" dirty="0" smtClean="0"/>
+          </a:p>
+          <a:p>
+            <a:endParaRPr lang="en-US" altLang="zh-CN" dirty="0">
+              <a:solidFill>
+                <a:srgbClr val="333333"/>
+              </a:solidFill>
+              <a:latin typeface="Helvetica Neue"/>
+            </a:endParaRPr>
+          </a:p>
+          <a:p>
+            <a:r>
+              <a:rPr lang="zh-CN" altLang="en-US" dirty="0" smtClean="0">
+                <a:solidFill>
+                  <a:srgbClr val="333333"/>
+                </a:solidFill>
+                <a:latin typeface="Helvetica Neue"/>
+              </a:rPr>
+              <a:t>了解：二叉查找树、平衡二叉树、红黑树</a:t>
+            </a:r>
+            <a:endParaRPr lang="en-US" altLang="zh-CN" dirty="0" smtClean="0">
+              <a:solidFill>
+                <a:srgbClr val="333333"/>
+              </a:solidFill>
+              <a:latin typeface="Helvetica Neue"/>
+            </a:endParaRPr>
+          </a:p>
+        </p:txBody>
+      </p:sp>
+      <p:pic>
+        <p:nvPicPr>
+          <p:cNvPr id="3" name="图片 2"/>
+          <p:cNvPicPr>
+            <a:picLocks noChangeAspect="1"/>
+          </p:cNvPicPr>
+          <p:nvPr/>
+        </p:nvPicPr>
+        <p:blipFill>
+          <a:blip r:embed="rId3"/>
+          <a:stretch>
+            <a:fillRect/>
+          </a:stretch>
+        </p:blipFill>
+        <p:spPr>
+          <a:xfrm>
+            <a:off x="180974" y="2906899"/>
+            <a:ext cx="4076190" cy="2866667"/>
+          </a:xfrm>
+          <a:prstGeom prst="rect">
+            <a:avLst/>
+          </a:prstGeom>
+        </p:spPr>
+      </p:pic>
+      <p:pic>
+        <p:nvPicPr>
+          <p:cNvPr id="7" name="图片 6"/>
+          <p:cNvPicPr>
+            <a:picLocks noChangeAspect="1"/>
+          </p:cNvPicPr>
+          <p:nvPr/>
+        </p:nvPicPr>
+        <p:blipFill>
+          <a:blip r:embed="rId4"/>
+          <a:stretch>
+            <a:fillRect/>
+          </a:stretch>
+        </p:blipFill>
+        <p:spPr>
+          <a:xfrm>
+            <a:off x="6703611" y="2819245"/>
+            <a:ext cx="4820818" cy="3748837"/>
+          </a:xfrm>
+          <a:prstGeom prst="rect">
+            <a:avLst/>
+          </a:prstGeom>
+        </p:spPr>
+      </p:pic>
+    </p:spTree>
+    <p:extLst>
+      <p:ext uri="{BB962C8B-B14F-4D97-AF65-F5344CB8AC3E}">
+        <p14:creationId xmlns:p14="http://schemas.microsoft.com/office/powerpoint/2010/main" val="3846674096"/>
+      </p:ext>
+    </p:extLst>
+  </p:cSld>
+  <p:clrMapOvr>
+    <a:masterClrMapping/>
+  </p:clrMapOvr>
+  <p:timing>
+    <p:tnLst>
+      <p:par>
+        <p:cTn id="1" dur="indefinite" restart="never" nodeType="tmRoot"/>
+      </p:par>
+    </p:tnLst>
+  </p:timing>
+</p:sld>
+</file>
+
+<file path=ppt/slides/slide46.xml><?xml version="1.0" encoding="utf-8"?>
+<p:sld xmlns:a="http://schemas.openxmlformats.org/drawingml/2006/main" xmlns:r="http://schemas.openxmlformats.org/officeDocument/2006/relationships" xmlns:p="http://schemas.openxmlformats.org/presentationml/2006/main">
+  <p:cSld>
+    <p:spTree>
+      <p:nvGrpSpPr>
+        <p:cNvPr id="1" name=""/>
+        <p:cNvGrpSpPr/>
+        <p:nvPr/>
+      </p:nvGrpSpPr>
+      <p:grpSpPr>
+        <a:xfrm>
+          <a:off x="0" y="0"/>
+          <a:ext cx="0" cy="0"/>
+          <a:chOff x="0" y="0"/>
+          <a:chExt cx="0" cy="0"/>
+        </a:xfrm>
+      </p:grpSpPr>
+      <p:sp>
+        <p:nvSpPr>
+          <p:cNvPr id="4" name="文本框 3"/>
+          <p:cNvSpPr txBox="1"/>
+          <p:nvPr/>
+        </p:nvSpPr>
+        <p:spPr>
+          <a:xfrm>
+            <a:off x="180975" y="161520"/>
+            <a:ext cx="3566272" cy="369332"/>
+          </a:xfrm>
+          <a:prstGeom prst="rect">
+            <a:avLst/>
+          </a:prstGeom>
+          <a:noFill/>
+        </p:spPr>
+        <p:txBody>
+          <a:bodyPr wrap="square" rtlCol="0">
+            <a:spAutoFit/>
+          </a:bodyPr>
+          <a:lstStyle/>
+          <a:p>
+            <a:r>
+              <a:rPr lang="en-US" altLang="zh-CN" dirty="0" smtClean="0">
+                <a:solidFill>
+                  <a:schemeClr val="bg1"/>
+                </a:solidFill>
+                <a:cs typeface="+mn-ea"/>
+              </a:rPr>
+              <a:t>STL-map</a:t>
+            </a:r>
+            <a:r>
+              <a:rPr lang="zh-CN" altLang="en-US" dirty="0" smtClean="0">
+                <a:solidFill>
+                  <a:schemeClr val="bg1"/>
+                </a:solidFill>
+                <a:cs typeface="+mn-ea"/>
+              </a:rPr>
+              <a:t>、</a:t>
+            </a:r>
+            <a:r>
+              <a:rPr lang="en-US" altLang="zh-CN" dirty="0" smtClean="0">
+                <a:solidFill>
+                  <a:schemeClr val="bg1"/>
+                </a:solidFill>
+                <a:cs typeface="+mn-ea"/>
+              </a:rPr>
+              <a:t>set</a:t>
+            </a:r>
+            <a:endParaRPr lang="zh-CN" altLang="en-US" dirty="0">
+              <a:solidFill>
+                <a:schemeClr val="bg1"/>
+              </a:solidFill>
+              <a:cs typeface="+mn-ea"/>
+            </a:endParaRPr>
+          </a:p>
+        </p:txBody>
+      </p:sp>
+      <p:pic>
+        <p:nvPicPr>
+          <p:cNvPr id="5" name="图片 4" descr="33"/>
+          <p:cNvPicPr>
+            <a:picLocks noChangeAspect="1"/>
+          </p:cNvPicPr>
+          <p:nvPr/>
+        </p:nvPicPr>
+        <p:blipFill>
+          <a:blip r:embed="rId2"/>
+          <a:stretch>
+            <a:fillRect/>
+          </a:stretch>
+        </p:blipFill>
+        <p:spPr>
+          <a:xfrm>
+            <a:off x="8810625" y="192405"/>
+            <a:ext cx="2076450" cy="200660"/>
+          </a:xfrm>
+          <a:prstGeom prst="rect">
+            <a:avLst/>
+          </a:prstGeom>
+        </p:spPr>
+      </p:pic>
+      <p:sp>
+        <p:nvSpPr>
+          <p:cNvPr id="6" name="文本框 5"/>
+          <p:cNvSpPr txBox="1"/>
+          <p:nvPr/>
+        </p:nvSpPr>
+        <p:spPr>
+          <a:xfrm>
+            <a:off x="10887075" y="22903"/>
+            <a:ext cx="1274708" cy="456535"/>
+          </a:xfrm>
+          <a:prstGeom prst="rect">
+            <a:avLst/>
+          </a:prstGeom>
+          <a:noFill/>
+        </p:spPr>
+        <p:txBody>
+          <a:bodyPr wrap="none" rtlCol="0">
+            <a:spAutoFit/>
+          </a:bodyPr>
+          <a:lstStyle/>
+          <a:p>
+            <a:pPr>
+              <a:lnSpc>
+                <a:spcPct val="150000"/>
+              </a:lnSpc>
+            </a:pPr>
+            <a:r>
+              <a:rPr lang="en-US" altLang="zh-CN" b="1" dirty="0">
+                <a:solidFill>
+                  <a:schemeClr val="bg1"/>
+                </a:solidFill>
+                <a:cs typeface="+mn-ea"/>
+                <a:sym typeface="+mn-lt"/>
+              </a:rPr>
+              <a:t>· </a:t>
+            </a:r>
+            <a:r>
+              <a:rPr lang="en-US" altLang="zh-CN" dirty="0">
+                <a:solidFill>
+                  <a:schemeClr val="bg1"/>
+                </a:solidFill>
+                <a:cs typeface="+mn-ea"/>
+                <a:sym typeface="+mn-lt"/>
+              </a:rPr>
+              <a:t>GTJ2018</a:t>
+            </a:r>
+          </a:p>
+        </p:txBody>
+      </p:sp>
+      <p:sp>
+        <p:nvSpPr>
+          <p:cNvPr id="12" name="矩形 11"/>
+          <p:cNvSpPr/>
+          <p:nvPr/>
+        </p:nvSpPr>
+        <p:spPr>
+          <a:xfrm>
+            <a:off x="180974" y="1118711"/>
+            <a:ext cx="10810113" cy="3139321"/>
+          </a:xfrm>
+          <a:prstGeom prst="rect">
+            <a:avLst/>
+          </a:prstGeom>
+        </p:spPr>
+        <p:txBody>
+          <a:bodyPr wrap="square">
+            <a:spAutoFit/>
+          </a:bodyPr>
+          <a:lstStyle/>
+          <a:p>
+            <a:r>
+              <a:rPr lang="en-US" altLang="zh-CN" dirty="0" smtClean="0"/>
+              <a:t>map</a:t>
+            </a:r>
+            <a:r>
+              <a:rPr lang="zh-CN" altLang="en-US" dirty="0"/>
+              <a:t>中的元素是</a:t>
+            </a:r>
+            <a:r>
+              <a:rPr lang="zh-CN" altLang="en-US" dirty="0" smtClean="0"/>
+              <a:t>一些</a:t>
+            </a:r>
+            <a:r>
+              <a:rPr lang="zh-CN" altLang="en-US" dirty="0"/>
+              <a:t>键</a:t>
+            </a:r>
+            <a:r>
+              <a:rPr lang="zh-CN" altLang="en-US" dirty="0" smtClean="0"/>
+              <a:t>值对</a:t>
+            </a:r>
+            <a:r>
+              <a:rPr lang="zh-CN" altLang="en-US" dirty="0"/>
+              <a:t>，</a:t>
+            </a:r>
+            <a:r>
+              <a:rPr lang="zh-CN" altLang="en-US" dirty="0" smtClean="0"/>
+              <a:t>关键字</a:t>
+            </a:r>
+            <a:r>
+              <a:rPr lang="zh-CN" altLang="en-US" dirty="0"/>
+              <a:t>起到索引的作用，值则表示与索引相关联的</a:t>
+            </a:r>
+            <a:r>
+              <a:rPr lang="zh-CN" altLang="en-US" dirty="0" smtClean="0"/>
+              <a:t>数据，底层为红黑树。</a:t>
+            </a:r>
+            <a:endParaRPr lang="en-US" altLang="zh-CN" dirty="0" smtClean="0"/>
+          </a:p>
+          <a:p>
+            <a:r>
+              <a:rPr lang="en-US" altLang="zh-CN" dirty="0"/>
+              <a:t>set</a:t>
+            </a:r>
+            <a:r>
+              <a:rPr lang="zh-CN" altLang="en-US" dirty="0"/>
+              <a:t>是关键字的简单集合，底层为红黑树。</a:t>
+            </a:r>
+            <a:endParaRPr lang="en-US" altLang="zh-CN" dirty="0">
+              <a:solidFill>
+                <a:srgbClr val="333333"/>
+              </a:solidFill>
+              <a:latin typeface="Helvetica Neue"/>
+            </a:endParaRPr>
+          </a:p>
+          <a:p>
+            <a:endParaRPr lang="en-US" altLang="zh-CN" dirty="0" smtClean="0"/>
+          </a:p>
+          <a:p>
+            <a:endParaRPr lang="en-US" altLang="zh-CN" dirty="0">
+              <a:solidFill>
+                <a:srgbClr val="333333"/>
+              </a:solidFill>
+              <a:latin typeface="Helvetica Neue"/>
+            </a:endParaRPr>
+          </a:p>
+          <a:p>
+            <a:r>
+              <a:rPr lang="zh-CN" altLang="en-US" dirty="0" smtClean="0">
+                <a:solidFill>
+                  <a:srgbClr val="333333"/>
+                </a:solidFill>
+                <a:latin typeface="Helvetica Neue"/>
+              </a:rPr>
+              <a:t>特点：</a:t>
+            </a:r>
+            <a:endParaRPr lang="en-US" altLang="zh-CN" dirty="0" smtClean="0">
+              <a:solidFill>
+                <a:srgbClr val="333333"/>
+              </a:solidFill>
+              <a:latin typeface="Helvetica Neue"/>
+            </a:endParaRPr>
+          </a:p>
+          <a:p>
+            <a:r>
+              <a:rPr lang="en-US" altLang="zh-CN" dirty="0" smtClean="0">
+                <a:solidFill>
+                  <a:srgbClr val="333333"/>
+                </a:solidFill>
+                <a:latin typeface="Helvetica Neue"/>
+              </a:rPr>
+              <a:t>1. </a:t>
+            </a:r>
+            <a:r>
+              <a:rPr lang="zh-CN" altLang="en-US" dirty="0" smtClean="0">
+                <a:solidFill>
+                  <a:srgbClr val="333333"/>
+                </a:solidFill>
+                <a:latin typeface="Helvetica Neue"/>
+              </a:rPr>
+              <a:t>快速插入、删除、修改</a:t>
+            </a:r>
+            <a:r>
+              <a:rPr lang="en-US" altLang="zh-CN" dirty="0" smtClean="0">
+                <a:solidFill>
+                  <a:srgbClr val="333333"/>
+                </a:solidFill>
+                <a:latin typeface="Helvetica Neue"/>
+              </a:rPr>
+              <a:t>value</a:t>
+            </a:r>
+          </a:p>
+          <a:p>
+            <a:r>
+              <a:rPr lang="en-US" altLang="zh-CN" dirty="0" smtClean="0">
+                <a:solidFill>
+                  <a:srgbClr val="333333"/>
+                </a:solidFill>
+                <a:latin typeface="Helvetica Neue"/>
+              </a:rPr>
+              <a:t>2. map</a:t>
+            </a:r>
+            <a:r>
+              <a:rPr lang="zh-CN" altLang="en-US" dirty="0" smtClean="0">
+                <a:solidFill>
+                  <a:srgbClr val="333333"/>
+                </a:solidFill>
+                <a:latin typeface="Helvetica Neue"/>
+              </a:rPr>
+              <a:t>中</a:t>
+            </a:r>
+            <a:r>
+              <a:rPr lang="en-US" altLang="zh-CN" dirty="0" smtClean="0">
+                <a:solidFill>
+                  <a:srgbClr val="333333"/>
+                </a:solidFill>
+                <a:latin typeface="Helvetica Neue"/>
+              </a:rPr>
+              <a:t>key</a:t>
+            </a:r>
+            <a:r>
+              <a:rPr lang="zh-CN" altLang="en-US" dirty="0" smtClean="0">
+                <a:solidFill>
+                  <a:srgbClr val="333333"/>
+                </a:solidFill>
+                <a:latin typeface="Helvetica Neue"/>
+              </a:rPr>
+              <a:t>唯一，</a:t>
+            </a:r>
+            <a:r>
+              <a:rPr lang="en-US" altLang="zh-CN" dirty="0" smtClean="0">
+                <a:solidFill>
+                  <a:srgbClr val="333333"/>
+                </a:solidFill>
+                <a:latin typeface="Helvetica Neue"/>
+              </a:rPr>
+              <a:t>set</a:t>
+            </a:r>
+            <a:r>
+              <a:rPr lang="zh-CN" altLang="en-US" dirty="0" smtClean="0">
+                <a:solidFill>
+                  <a:srgbClr val="333333"/>
+                </a:solidFill>
+                <a:latin typeface="Helvetica Neue"/>
+              </a:rPr>
+              <a:t>中元素唯一</a:t>
+            </a:r>
+            <a:endParaRPr lang="en-US" altLang="zh-CN" dirty="0" smtClean="0">
+              <a:solidFill>
+                <a:srgbClr val="333333"/>
+              </a:solidFill>
+              <a:latin typeface="Helvetica Neue"/>
+            </a:endParaRPr>
+          </a:p>
+          <a:p>
+            <a:endParaRPr lang="en-US" altLang="zh-CN" dirty="0">
+              <a:solidFill>
+                <a:srgbClr val="333333"/>
+              </a:solidFill>
+              <a:latin typeface="Helvetica Neue"/>
+            </a:endParaRPr>
+          </a:p>
+          <a:p>
+            <a:r>
+              <a:rPr lang="zh-CN" altLang="en-US" dirty="0" smtClean="0">
+                <a:solidFill>
+                  <a:srgbClr val="333333"/>
+                </a:solidFill>
+                <a:latin typeface="Helvetica Neue"/>
+              </a:rPr>
+              <a:t>用途：</a:t>
+            </a:r>
+            <a:endParaRPr lang="en-US" altLang="zh-CN" dirty="0" smtClean="0">
+              <a:solidFill>
+                <a:srgbClr val="333333"/>
+              </a:solidFill>
+              <a:latin typeface="Helvetica Neue"/>
+            </a:endParaRPr>
+          </a:p>
+          <a:p>
+            <a:r>
+              <a:rPr lang="en-US" altLang="zh-CN" dirty="0" smtClean="0">
+                <a:solidFill>
+                  <a:srgbClr val="333333"/>
+                </a:solidFill>
+                <a:latin typeface="Helvetica Neue"/>
+              </a:rPr>
+              <a:t>map: </a:t>
+            </a:r>
+            <a:r>
+              <a:rPr lang="zh-CN" altLang="en-US" dirty="0" smtClean="0">
+                <a:solidFill>
+                  <a:srgbClr val="333333"/>
+                </a:solidFill>
+                <a:latin typeface="Helvetica Neue"/>
+              </a:rPr>
+              <a:t>构件类型</a:t>
+            </a:r>
+            <a:r>
+              <a:rPr lang="en-US" altLang="zh-CN" dirty="0" smtClean="0">
+                <a:solidFill>
+                  <a:srgbClr val="333333"/>
+                </a:solidFill>
+                <a:latin typeface="Helvetica Neue"/>
+              </a:rPr>
+              <a:t>ID-</a:t>
+            </a:r>
+            <a:r>
+              <a:rPr lang="zh-CN" altLang="en-US" dirty="0" smtClean="0">
+                <a:solidFill>
+                  <a:srgbClr val="333333"/>
+                </a:solidFill>
+                <a:latin typeface="Helvetica Neue"/>
+              </a:rPr>
+              <a:t>构件类型名称</a:t>
+            </a:r>
+            <a:endParaRPr lang="en-US" altLang="zh-CN" dirty="0" smtClean="0">
+              <a:solidFill>
+                <a:srgbClr val="333333"/>
+              </a:solidFill>
+              <a:latin typeface="Helvetica Neue"/>
+            </a:endParaRPr>
+          </a:p>
+          <a:p>
+            <a:r>
+              <a:rPr lang="en-US" altLang="zh-CN" dirty="0">
+                <a:solidFill>
+                  <a:srgbClr val="333333"/>
+                </a:solidFill>
+                <a:latin typeface="Helvetica Neue"/>
+              </a:rPr>
+              <a:t>s</a:t>
+            </a:r>
+            <a:r>
+              <a:rPr lang="en-US" altLang="zh-CN" dirty="0" smtClean="0">
+                <a:solidFill>
+                  <a:srgbClr val="333333"/>
+                </a:solidFill>
+                <a:latin typeface="Helvetica Neue"/>
+              </a:rPr>
+              <a:t>et: </a:t>
+            </a:r>
+            <a:r>
+              <a:rPr lang="zh-CN" altLang="en-US" dirty="0" smtClean="0">
+                <a:solidFill>
+                  <a:srgbClr val="333333"/>
+                </a:solidFill>
+                <a:latin typeface="Helvetica Neue"/>
+              </a:rPr>
+              <a:t>记录每一层，送审工程中被</a:t>
+            </a:r>
+            <a:r>
+              <a:rPr lang="en-US" altLang="zh-CN" dirty="0" smtClean="0">
+                <a:solidFill>
+                  <a:srgbClr val="333333"/>
+                </a:solidFill>
+                <a:latin typeface="Helvetica Neue"/>
+              </a:rPr>
+              <a:t>box</a:t>
+            </a:r>
+            <a:r>
+              <a:rPr lang="zh-CN" altLang="en-US" dirty="0" smtClean="0">
+                <a:solidFill>
+                  <a:srgbClr val="333333"/>
+                </a:solidFill>
+                <a:latin typeface="Helvetica Neue"/>
+              </a:rPr>
+              <a:t>过滤过的图元</a:t>
+            </a:r>
+            <a:r>
+              <a:rPr lang="en-US" altLang="zh-CN" dirty="0" smtClean="0">
+                <a:solidFill>
+                  <a:srgbClr val="333333"/>
+                </a:solidFill>
+                <a:latin typeface="Helvetica Neue"/>
+              </a:rPr>
+              <a:t>ID</a:t>
+            </a:r>
+          </a:p>
+        </p:txBody>
+      </p:sp>
+    </p:spTree>
+    <p:extLst>
+      <p:ext uri="{BB962C8B-B14F-4D97-AF65-F5344CB8AC3E}">
+        <p14:creationId xmlns:p14="http://schemas.microsoft.com/office/powerpoint/2010/main" val="3595319836"/>
+      </p:ext>
+    </p:extLst>
+  </p:cSld>
+  <p:clrMapOvr>
+    <a:masterClrMapping/>
+  </p:clrMapOvr>
+  <p:timing>
+    <p:tnLst>
+      <p:par>
+        <p:cTn id="1" dur="indefinite" restart="never" nodeType="tmRoot"/>
+      </p:par>
+    </p:tnLst>
+  </p:timing>
+</p:sld>
+</file>
+
+<file path=ppt/slides/slide47.xml><?xml version="1.0" encoding="utf-8"?>
+<p:sld xmlns:a="http://schemas.openxmlformats.org/drawingml/2006/main" xmlns:r="http://schemas.openxmlformats.org/officeDocument/2006/relationships" xmlns:p="http://schemas.openxmlformats.org/presentationml/2006/main">
+  <p:cSld>
+    <p:spTree>
+      <p:nvGrpSpPr>
+        <p:cNvPr id="1" name=""/>
+        <p:cNvGrpSpPr/>
+        <p:nvPr/>
+      </p:nvGrpSpPr>
+      <p:grpSpPr>
+        <a:xfrm>
+          <a:off x="0" y="0"/>
+          <a:ext cx="0" cy="0"/>
+          <a:chOff x="0" y="0"/>
+          <a:chExt cx="0" cy="0"/>
+        </a:xfrm>
+      </p:grpSpPr>
+      <p:sp>
+        <p:nvSpPr>
+          <p:cNvPr id="4" name="文本框 3"/>
+          <p:cNvSpPr txBox="1"/>
+          <p:nvPr/>
+        </p:nvSpPr>
+        <p:spPr>
+          <a:xfrm>
+            <a:off x="180975" y="161520"/>
+            <a:ext cx="3566272" cy="369332"/>
+          </a:xfrm>
+          <a:prstGeom prst="rect">
+            <a:avLst/>
+          </a:prstGeom>
+          <a:noFill/>
+        </p:spPr>
+        <p:txBody>
+          <a:bodyPr wrap="square" rtlCol="0">
+            <a:spAutoFit/>
+          </a:bodyPr>
+          <a:lstStyle/>
+          <a:p>
+            <a:r>
+              <a:rPr lang="en-US" altLang="zh-CN" dirty="0" smtClean="0">
+                <a:solidFill>
+                  <a:schemeClr val="bg1"/>
+                </a:solidFill>
+                <a:cs typeface="+mn-ea"/>
+              </a:rPr>
+              <a:t>STL-hash</a:t>
+            </a:r>
+            <a:endParaRPr lang="zh-CN" altLang="en-US" dirty="0">
+              <a:solidFill>
+                <a:schemeClr val="bg1"/>
+              </a:solidFill>
+              <a:cs typeface="+mn-ea"/>
+            </a:endParaRPr>
+          </a:p>
+        </p:txBody>
+      </p:sp>
+      <p:pic>
+        <p:nvPicPr>
+          <p:cNvPr id="5" name="图片 4" descr="33"/>
+          <p:cNvPicPr>
+            <a:picLocks noChangeAspect="1"/>
+          </p:cNvPicPr>
+          <p:nvPr/>
+        </p:nvPicPr>
+        <p:blipFill>
+          <a:blip r:embed="rId2"/>
+          <a:stretch>
+            <a:fillRect/>
+          </a:stretch>
+        </p:blipFill>
+        <p:spPr>
+          <a:xfrm>
+            <a:off x="8810625" y="192405"/>
+            <a:ext cx="2076450" cy="200660"/>
+          </a:xfrm>
+          <a:prstGeom prst="rect">
+            <a:avLst/>
+          </a:prstGeom>
+        </p:spPr>
+      </p:pic>
+      <p:sp>
+        <p:nvSpPr>
+          <p:cNvPr id="6" name="文本框 5"/>
+          <p:cNvSpPr txBox="1"/>
+          <p:nvPr/>
+        </p:nvSpPr>
+        <p:spPr>
+          <a:xfrm>
+            <a:off x="10887075" y="22903"/>
+            <a:ext cx="1274708" cy="456535"/>
+          </a:xfrm>
+          <a:prstGeom prst="rect">
+            <a:avLst/>
+          </a:prstGeom>
+          <a:noFill/>
+        </p:spPr>
+        <p:txBody>
+          <a:bodyPr wrap="none" rtlCol="0">
+            <a:spAutoFit/>
+          </a:bodyPr>
+          <a:lstStyle/>
+          <a:p>
+            <a:pPr>
+              <a:lnSpc>
+                <a:spcPct val="150000"/>
+              </a:lnSpc>
+            </a:pPr>
+            <a:r>
+              <a:rPr lang="en-US" altLang="zh-CN" b="1" dirty="0">
+                <a:solidFill>
+                  <a:schemeClr val="bg1"/>
+                </a:solidFill>
+                <a:cs typeface="+mn-ea"/>
+                <a:sym typeface="+mn-lt"/>
+              </a:rPr>
+              <a:t>· </a:t>
+            </a:r>
+            <a:r>
+              <a:rPr lang="en-US" altLang="zh-CN" dirty="0">
+                <a:solidFill>
+                  <a:schemeClr val="bg1"/>
+                </a:solidFill>
+                <a:cs typeface="+mn-ea"/>
+                <a:sym typeface="+mn-lt"/>
+              </a:rPr>
+              <a:t>GTJ2018</a:t>
+            </a:r>
+          </a:p>
+        </p:txBody>
+      </p:sp>
+      <p:sp>
+        <p:nvSpPr>
+          <p:cNvPr id="12" name="矩形 11"/>
+          <p:cNvSpPr/>
+          <p:nvPr/>
+        </p:nvSpPr>
+        <p:spPr>
+          <a:xfrm>
+            <a:off x="180975" y="1118711"/>
+            <a:ext cx="8685938" cy="1754326"/>
+          </a:xfrm>
+          <a:prstGeom prst="rect">
+            <a:avLst/>
+          </a:prstGeom>
+        </p:spPr>
+        <p:txBody>
+          <a:bodyPr wrap="square">
+            <a:spAutoFit/>
+          </a:bodyPr>
+          <a:lstStyle/>
+          <a:p>
+            <a:r>
+              <a:rPr lang="en-US" altLang="zh-CN" dirty="0" err="1" smtClean="0">
+                <a:solidFill>
+                  <a:srgbClr val="333333"/>
+                </a:solidFill>
+                <a:latin typeface="Helvetica Neue"/>
+              </a:rPr>
+              <a:t>unordered_set</a:t>
+            </a:r>
+            <a:r>
+              <a:rPr lang="zh-CN" altLang="en-US" dirty="0" smtClean="0"/>
+              <a:t>用</a:t>
+            </a:r>
+            <a:r>
+              <a:rPr lang="zh-CN" altLang="en-US" dirty="0"/>
+              <a:t>哈希函数组织的</a:t>
+            </a:r>
+            <a:r>
+              <a:rPr lang="en-US" altLang="zh-CN" dirty="0"/>
+              <a:t>set</a:t>
+            </a:r>
+            <a:endParaRPr lang="en-US" altLang="zh-CN" dirty="0">
+              <a:solidFill>
+                <a:srgbClr val="333333"/>
+              </a:solidFill>
+              <a:latin typeface="Helvetica Neue"/>
+            </a:endParaRPr>
+          </a:p>
+          <a:p>
+            <a:r>
+              <a:rPr lang="en-US" altLang="zh-CN" dirty="0" err="1" smtClean="0">
+                <a:solidFill>
+                  <a:srgbClr val="333333"/>
+                </a:solidFill>
+                <a:latin typeface="Helvetica Neue"/>
+              </a:rPr>
+              <a:t>unordered_map</a:t>
+            </a:r>
+            <a:r>
+              <a:rPr lang="zh-CN" altLang="en-US" dirty="0"/>
+              <a:t>用哈希函数组织的</a:t>
+            </a:r>
+            <a:r>
+              <a:rPr lang="en-US" altLang="zh-CN" dirty="0" smtClean="0"/>
+              <a:t>map</a:t>
+            </a:r>
+          </a:p>
+          <a:p>
+            <a:r>
+              <a:rPr lang="zh-CN" altLang="en-US" dirty="0" smtClean="0">
+                <a:solidFill>
+                  <a:srgbClr val="333333"/>
+                </a:solidFill>
+                <a:latin typeface="Helvetica Neue"/>
+              </a:rPr>
+              <a:t>底层实现为哈希表（</a:t>
+            </a:r>
+            <a:r>
+              <a:rPr lang="en-US" altLang="zh-CN" dirty="0" err="1" smtClean="0">
+                <a:solidFill>
+                  <a:srgbClr val="333333"/>
+                </a:solidFill>
+                <a:latin typeface="Helvetica Neue"/>
+              </a:rPr>
+              <a:t>hashtable</a:t>
+            </a:r>
+            <a:r>
+              <a:rPr lang="zh-CN" altLang="en-US" dirty="0" smtClean="0">
+                <a:solidFill>
+                  <a:srgbClr val="333333"/>
+                </a:solidFill>
+                <a:latin typeface="Helvetica Neue"/>
+              </a:rPr>
+              <a:t>）</a:t>
+            </a:r>
+            <a:endParaRPr lang="en-US" altLang="zh-CN" dirty="0" smtClean="0">
+              <a:solidFill>
+                <a:srgbClr val="333333"/>
+              </a:solidFill>
+              <a:latin typeface="Helvetica Neue"/>
+            </a:endParaRPr>
+          </a:p>
+          <a:p>
+            <a:endParaRPr lang="en-US" altLang="zh-CN" dirty="0">
+              <a:solidFill>
+                <a:srgbClr val="333333"/>
+              </a:solidFill>
+              <a:latin typeface="Helvetica Neue"/>
+            </a:endParaRPr>
+          </a:p>
+          <a:p>
+            <a:r>
+              <a:rPr lang="zh-CN" altLang="en-US" dirty="0" smtClean="0">
+                <a:solidFill>
+                  <a:srgbClr val="333333"/>
+                </a:solidFill>
+                <a:latin typeface="Helvetica Neue"/>
+              </a:rPr>
+              <a:t>特点：</a:t>
+            </a:r>
+            <a:endParaRPr lang="en-US" altLang="zh-CN" dirty="0" smtClean="0">
+              <a:solidFill>
+                <a:srgbClr val="333333"/>
+              </a:solidFill>
+              <a:latin typeface="Helvetica Neue"/>
+            </a:endParaRPr>
+          </a:p>
+          <a:p>
+            <a:r>
+              <a:rPr lang="zh-CN" altLang="en-US" dirty="0" smtClean="0">
+                <a:solidFill>
+                  <a:srgbClr val="333333"/>
+                </a:solidFill>
+                <a:latin typeface="Helvetica Neue"/>
+              </a:rPr>
+              <a:t>查找</a:t>
+            </a:r>
+            <a:r>
+              <a:rPr lang="zh-CN" altLang="en-US" b="1" dirty="0" smtClean="0">
+                <a:solidFill>
+                  <a:srgbClr val="333333"/>
+                </a:solidFill>
+                <a:latin typeface="Helvetica Neue"/>
+              </a:rPr>
+              <a:t>非常快，</a:t>
+            </a:r>
+            <a:r>
+              <a:rPr lang="en-US" altLang="zh-CN" dirty="0" smtClean="0">
+                <a:solidFill>
+                  <a:srgbClr val="333333"/>
+                </a:solidFill>
+                <a:latin typeface="Helvetica Neue"/>
+              </a:rPr>
+              <a:t>map</a:t>
+            </a:r>
+            <a:r>
+              <a:rPr lang="zh-CN" altLang="en-US" dirty="0" smtClean="0">
+                <a:solidFill>
+                  <a:srgbClr val="333333"/>
+                </a:solidFill>
+                <a:latin typeface="Helvetica Neue"/>
+              </a:rPr>
+              <a:t>、</a:t>
+            </a:r>
+            <a:r>
+              <a:rPr lang="en-US" altLang="zh-CN" dirty="0" smtClean="0">
+                <a:solidFill>
+                  <a:srgbClr val="333333"/>
+                </a:solidFill>
+                <a:latin typeface="Helvetica Neue"/>
+              </a:rPr>
+              <a:t>set</a:t>
+            </a:r>
+            <a:r>
+              <a:rPr lang="zh-CN" altLang="en-US" dirty="0" smtClean="0">
+                <a:solidFill>
+                  <a:srgbClr val="333333"/>
+                </a:solidFill>
+                <a:latin typeface="Helvetica Neue"/>
+              </a:rPr>
+              <a:t>查找效率为</a:t>
+            </a:r>
+            <a:r>
+              <a:rPr lang="en-US" altLang="zh-CN" dirty="0">
+                <a:solidFill>
+                  <a:srgbClr val="333333"/>
+                </a:solidFill>
+                <a:latin typeface="Helvetica Neue"/>
+              </a:rPr>
+              <a:t>O</a:t>
+            </a:r>
+            <a:r>
+              <a:rPr lang="en-US" altLang="zh-CN" dirty="0" smtClean="0">
+                <a:solidFill>
+                  <a:srgbClr val="333333"/>
+                </a:solidFill>
+                <a:latin typeface="Helvetica Neue"/>
+              </a:rPr>
+              <a:t>(</a:t>
+            </a:r>
+            <a:r>
+              <a:rPr lang="en-US" altLang="zh-CN" dirty="0" err="1" smtClean="0">
+                <a:solidFill>
+                  <a:srgbClr val="333333"/>
+                </a:solidFill>
+                <a:latin typeface="Helvetica Neue"/>
+              </a:rPr>
+              <a:t>logn</a:t>
+            </a:r>
+            <a:r>
+              <a:rPr lang="en-US" altLang="zh-CN" dirty="0" smtClean="0">
+                <a:solidFill>
+                  <a:srgbClr val="333333"/>
+                </a:solidFill>
+                <a:latin typeface="Helvetica Neue"/>
+              </a:rPr>
+              <a:t>)</a:t>
+            </a:r>
+            <a:r>
+              <a:rPr lang="zh-CN" altLang="en-US" dirty="0" smtClean="0">
+                <a:solidFill>
+                  <a:srgbClr val="333333"/>
+                </a:solidFill>
+                <a:latin typeface="Helvetica Neue"/>
+              </a:rPr>
+              <a:t>，</a:t>
+            </a:r>
+            <a:r>
+              <a:rPr lang="en-US" altLang="zh-CN" dirty="0" smtClean="0">
+                <a:solidFill>
+                  <a:srgbClr val="333333"/>
+                </a:solidFill>
+                <a:latin typeface="Helvetica Neue"/>
+              </a:rPr>
+              <a:t>hash</a:t>
+            </a:r>
+            <a:r>
+              <a:rPr lang="zh-CN" altLang="en-US" dirty="0" smtClean="0">
+                <a:solidFill>
+                  <a:srgbClr val="333333"/>
+                </a:solidFill>
+                <a:latin typeface="Helvetica Neue"/>
+              </a:rPr>
+              <a:t>为</a:t>
+            </a:r>
+            <a:r>
+              <a:rPr lang="en-US" altLang="zh-CN" dirty="0" smtClean="0">
+                <a:solidFill>
+                  <a:srgbClr val="333333"/>
+                </a:solidFill>
+                <a:latin typeface="Helvetica Neue"/>
+              </a:rPr>
+              <a:t>O(1)</a:t>
+            </a:r>
+          </a:p>
+        </p:txBody>
+      </p:sp>
+    </p:spTree>
+    <p:extLst>
+      <p:ext uri="{BB962C8B-B14F-4D97-AF65-F5344CB8AC3E}">
+        <p14:creationId xmlns:p14="http://schemas.microsoft.com/office/powerpoint/2010/main" val="1942666096"/>
+      </p:ext>
+    </p:extLst>
+  </p:cSld>
+  <p:clrMapOvr>
+    <a:masterClrMapping/>
+  </p:clrMapOvr>
+  <p:timing>
+    <p:tnLst>
+      <p:par>
+        <p:cTn id="1" dur="indefinite" restart="never" nodeType="tmRoot"/>
+      </p:par>
+    </p:tnLst>
+  </p:timing>
+</p:sld>
+</file>
+
+<file path=ppt/slides/slide48.xml><?xml version="1.0" encoding="utf-8"?>
+<p:sld xmlns:a="http://schemas.openxmlformats.org/drawingml/2006/main" xmlns:r="http://schemas.openxmlformats.org/officeDocument/2006/relationships" xmlns:p="http://schemas.openxmlformats.org/presentationml/2006/main">
+  <p:cSld>
+    <p:spTree>
+      <p:nvGrpSpPr>
+        <p:cNvPr id="1" name=""/>
+        <p:cNvGrpSpPr/>
+        <p:nvPr/>
+      </p:nvGrpSpPr>
+      <p:grpSpPr>
+        <a:xfrm>
+          <a:off x="0" y="0"/>
+          <a:ext cx="0" cy="0"/>
+          <a:chOff x="0" y="0"/>
+          <a:chExt cx="0" cy="0"/>
+        </a:xfrm>
+      </p:grpSpPr>
+      <p:sp>
+        <p:nvSpPr>
+          <p:cNvPr id="4" name="文本框 3"/>
+          <p:cNvSpPr txBox="1"/>
+          <p:nvPr/>
+        </p:nvSpPr>
+        <p:spPr>
+          <a:xfrm>
+            <a:off x="180975" y="161520"/>
+            <a:ext cx="3566272" cy="369332"/>
+          </a:xfrm>
+          <a:prstGeom prst="rect">
+            <a:avLst/>
+          </a:prstGeom>
+          <a:noFill/>
+        </p:spPr>
+        <p:txBody>
+          <a:bodyPr wrap="square" rtlCol="0">
+            <a:spAutoFit/>
+          </a:bodyPr>
+          <a:lstStyle/>
+          <a:p>
+            <a:r>
+              <a:rPr lang="en-US" altLang="zh-CN" dirty="0" smtClean="0">
+                <a:solidFill>
+                  <a:schemeClr val="bg1"/>
+                </a:solidFill>
+                <a:cs typeface="+mn-ea"/>
+              </a:rPr>
+              <a:t>STL-algorithm</a:t>
+            </a:r>
+            <a:endParaRPr lang="zh-CN" altLang="en-US" dirty="0">
+              <a:solidFill>
+                <a:schemeClr val="bg1"/>
+              </a:solidFill>
+              <a:cs typeface="+mn-ea"/>
+            </a:endParaRPr>
+          </a:p>
+        </p:txBody>
+      </p:sp>
+      <p:pic>
+        <p:nvPicPr>
+          <p:cNvPr id="5" name="图片 4" descr="33"/>
+          <p:cNvPicPr>
+            <a:picLocks noChangeAspect="1"/>
+          </p:cNvPicPr>
+          <p:nvPr/>
+        </p:nvPicPr>
+        <p:blipFill>
+          <a:blip r:embed="rId2"/>
+          <a:stretch>
+            <a:fillRect/>
+          </a:stretch>
+        </p:blipFill>
+        <p:spPr>
+          <a:xfrm>
+            <a:off x="8810625" y="192405"/>
+            <a:ext cx="2076450" cy="200660"/>
+          </a:xfrm>
+          <a:prstGeom prst="rect">
+            <a:avLst/>
+          </a:prstGeom>
+        </p:spPr>
+      </p:pic>
+      <p:sp>
+        <p:nvSpPr>
+          <p:cNvPr id="6" name="文本框 5"/>
+          <p:cNvSpPr txBox="1"/>
+          <p:nvPr/>
+        </p:nvSpPr>
+        <p:spPr>
+          <a:xfrm>
+            <a:off x="10887075" y="22903"/>
+            <a:ext cx="1274708" cy="456535"/>
+          </a:xfrm>
+          <a:prstGeom prst="rect">
+            <a:avLst/>
+          </a:prstGeom>
+          <a:noFill/>
+        </p:spPr>
+        <p:txBody>
+          <a:bodyPr wrap="none" rtlCol="0">
+            <a:spAutoFit/>
+          </a:bodyPr>
+          <a:lstStyle/>
+          <a:p>
+            <a:pPr>
+              <a:lnSpc>
+                <a:spcPct val="150000"/>
+              </a:lnSpc>
+            </a:pPr>
+            <a:r>
+              <a:rPr lang="en-US" altLang="zh-CN" b="1" dirty="0">
+                <a:solidFill>
+                  <a:schemeClr val="bg1"/>
+                </a:solidFill>
+                <a:cs typeface="+mn-ea"/>
+                <a:sym typeface="+mn-lt"/>
+              </a:rPr>
+              <a:t>· </a:t>
+            </a:r>
+            <a:r>
+              <a:rPr lang="en-US" altLang="zh-CN" dirty="0">
+                <a:solidFill>
+                  <a:schemeClr val="bg1"/>
+                </a:solidFill>
+                <a:cs typeface="+mn-ea"/>
+                <a:sym typeface="+mn-lt"/>
+              </a:rPr>
+              <a:t>GTJ2018</a:t>
+            </a:r>
+          </a:p>
+        </p:txBody>
+      </p:sp>
+      <p:sp>
+        <p:nvSpPr>
+          <p:cNvPr id="12" name="矩形 11"/>
+          <p:cNvSpPr/>
+          <p:nvPr/>
+        </p:nvSpPr>
+        <p:spPr>
+          <a:xfrm>
+            <a:off x="180975" y="1118711"/>
+            <a:ext cx="8685938" cy="1754326"/>
+          </a:xfrm>
+          <a:prstGeom prst="rect">
+            <a:avLst/>
+          </a:prstGeom>
+        </p:spPr>
+        <p:txBody>
+          <a:bodyPr wrap="square">
+            <a:spAutoFit/>
+          </a:bodyPr>
+          <a:lstStyle/>
+          <a:p>
+            <a:r>
+              <a:rPr lang="en-US" altLang="zh-CN" dirty="0">
+                <a:solidFill>
+                  <a:srgbClr val="333333"/>
+                </a:solidFill>
+                <a:latin typeface="Helvetica Neue"/>
+              </a:rPr>
+              <a:t>s</a:t>
+            </a:r>
+            <a:r>
+              <a:rPr lang="en-US" altLang="zh-CN" dirty="0" smtClean="0">
+                <a:solidFill>
+                  <a:srgbClr val="333333"/>
+                </a:solidFill>
+                <a:latin typeface="Helvetica Neue"/>
+              </a:rPr>
+              <a:t>ort</a:t>
+            </a:r>
+            <a:r>
+              <a:rPr lang="zh-CN" altLang="en-US" dirty="0" smtClean="0">
+                <a:solidFill>
+                  <a:srgbClr val="333333"/>
+                </a:solidFill>
+                <a:latin typeface="Helvetica Neue"/>
+              </a:rPr>
+              <a:t>：快排实现</a:t>
+            </a:r>
+            <a:endParaRPr lang="en-US" altLang="zh-CN" dirty="0" smtClean="0">
+              <a:solidFill>
+                <a:srgbClr val="333333"/>
+              </a:solidFill>
+              <a:latin typeface="Helvetica Neue"/>
+            </a:endParaRPr>
+          </a:p>
+          <a:p>
+            <a:r>
+              <a:rPr lang="en-US" altLang="zh-CN" dirty="0">
+                <a:solidFill>
+                  <a:srgbClr val="333333"/>
+                </a:solidFill>
+                <a:latin typeface="Helvetica Neue"/>
+              </a:rPr>
+              <a:t>r</a:t>
+            </a:r>
+            <a:r>
+              <a:rPr lang="en-US" altLang="zh-CN" dirty="0" smtClean="0">
+                <a:solidFill>
+                  <a:srgbClr val="333333"/>
+                </a:solidFill>
+                <a:latin typeface="Helvetica Neue"/>
+              </a:rPr>
+              <a:t>everse</a:t>
+            </a:r>
+          </a:p>
+          <a:p>
+            <a:r>
+              <a:rPr lang="en-US" altLang="zh-CN" dirty="0">
+                <a:solidFill>
+                  <a:srgbClr val="333333"/>
+                </a:solidFill>
+                <a:latin typeface="Helvetica Neue"/>
+              </a:rPr>
+              <a:t>s</a:t>
+            </a:r>
+            <a:r>
+              <a:rPr lang="en-US" altLang="zh-CN" dirty="0" smtClean="0">
+                <a:solidFill>
+                  <a:srgbClr val="333333"/>
+                </a:solidFill>
+                <a:latin typeface="Helvetica Neue"/>
+              </a:rPr>
+              <a:t>earch</a:t>
+            </a:r>
+            <a:r>
+              <a:rPr lang="zh-CN" altLang="en-US" dirty="0" smtClean="0">
+                <a:solidFill>
+                  <a:srgbClr val="333333"/>
+                </a:solidFill>
+                <a:latin typeface="Helvetica Neue"/>
+              </a:rPr>
+              <a:t>：二叉查找树</a:t>
+            </a:r>
+          </a:p>
+          <a:p>
+            <a:r>
+              <a:rPr lang="en-US" altLang="zh-CN" dirty="0" err="1" smtClean="0">
+                <a:solidFill>
+                  <a:srgbClr val="333333"/>
+                </a:solidFill>
+                <a:latin typeface="Helvetica Neue"/>
+              </a:rPr>
+              <a:t>max,min</a:t>
+            </a:r>
+            <a:endParaRPr lang="en-US" altLang="zh-CN" dirty="0" smtClean="0">
+              <a:solidFill>
+                <a:srgbClr val="333333"/>
+              </a:solidFill>
+              <a:latin typeface="Helvetica Neue"/>
+            </a:endParaRPr>
+          </a:p>
+          <a:p>
+            <a:endParaRPr lang="en-US" altLang="zh-CN" dirty="0" smtClean="0">
+              <a:solidFill>
+                <a:srgbClr val="333333"/>
+              </a:solidFill>
+              <a:latin typeface="Helvetica Neue"/>
+            </a:endParaRPr>
+          </a:p>
+          <a:p>
+            <a:r>
+              <a:rPr lang="en-US" altLang="zh-CN" dirty="0">
+                <a:hlinkClick r:id="rId3"/>
+              </a:rPr>
+              <a:t>http://www.cplusplus.com/reference/algorithm/</a:t>
+            </a:r>
+            <a:endParaRPr lang="en-US" altLang="zh-CN" dirty="0" smtClean="0">
+              <a:solidFill>
+                <a:srgbClr val="333333"/>
+              </a:solidFill>
+              <a:latin typeface="Helvetica Neue"/>
+            </a:endParaRPr>
+          </a:p>
+        </p:txBody>
+      </p:sp>
+    </p:spTree>
+    <p:extLst>
+      <p:ext uri="{BB962C8B-B14F-4D97-AF65-F5344CB8AC3E}">
+        <p14:creationId xmlns:p14="http://schemas.microsoft.com/office/powerpoint/2010/main" val="1460599101"/>
+      </p:ext>
+    </p:extLst>
+  </p:cSld>
+  <p:clrMapOvr>
+    <a:masterClrMapping/>
+  </p:clrMapOvr>
+  <p:timing>
+    <p:tnLst>
+      <p:par>
+        <p:cTn id="1" dur="indefinite" restart="never" nodeType="tmRoot"/>
+      </p:par>
+    </p:tnLst>
+  </p:timing>
+</p:sld>
+</file>
+
+<file path=ppt/slides/slide49.xml><?xml version="1.0" encoding="utf-8"?>
+<p:sld xmlns:a="http://schemas.openxmlformats.org/drawingml/2006/main" xmlns:r="http://schemas.openxmlformats.org/officeDocument/2006/relationships" xmlns:p="http://schemas.openxmlformats.org/presentationml/2006/main">
+  <p:cSld>
+    <p:bg>
+      <p:bgPr>
+        <a:blipFill dpi="0" rotWithShape="1">
+          <a:blip r:embed="rId2">
+            <a:lum/>
+          </a:blip>
+          <a:srcRect/>
+          <a:stretch>
+            <a:fillRect/>
+          </a:stretch>
+        </a:blipFill>
+        <a:effectLst/>
+      </p:bgPr>
+    </p:bg>
+    <p:spTree>
+      <p:nvGrpSpPr>
+        <p:cNvPr id="1" name=""/>
+        <p:cNvGrpSpPr/>
+        <p:nvPr/>
+      </p:nvGrpSpPr>
+      <p:grpSpPr>
+        <a:xfrm>
+          <a:off x="0" y="0"/>
+          <a:ext cx="0" cy="0"/>
+          <a:chOff x="0" y="0"/>
+          <a:chExt cx="0" cy="0"/>
+        </a:xfrm>
+      </p:grpSpPr>
+      <p:sp>
+        <p:nvSpPr>
+          <p:cNvPr id="8" name="文本框 7"/>
+          <p:cNvSpPr txBox="1"/>
+          <p:nvPr/>
+        </p:nvSpPr>
+        <p:spPr>
+          <a:xfrm>
+            <a:off x="771525" y="3019425"/>
+            <a:ext cx="1095172" cy="739754"/>
+          </a:xfrm>
+          <a:prstGeom prst="rect">
+            <a:avLst/>
+          </a:prstGeom>
+          <a:noFill/>
+        </p:spPr>
+        <p:txBody>
+          <a:bodyPr wrap="none" rtlCol="0">
+            <a:spAutoFit/>
+          </a:bodyPr>
+          <a:lstStyle/>
+          <a:p>
+            <a:pPr>
+              <a:lnSpc>
+                <a:spcPct val="150000"/>
+              </a:lnSpc>
+            </a:pPr>
+            <a:r>
+              <a:rPr lang="en-US" altLang="zh-CN" sz="3200" dirty="0" smtClean="0">
+                <a:solidFill>
+                  <a:schemeClr val="bg1"/>
+                </a:solidFill>
+                <a:cs typeface="+mn-ea"/>
+                <a:sym typeface="+mn-lt"/>
+              </a:rPr>
+              <a:t>5.QT</a:t>
+            </a:r>
+            <a:endParaRPr lang="zh-CN" altLang="en-US" sz="3200" dirty="0">
+              <a:solidFill>
+                <a:schemeClr val="bg1"/>
+              </a:solidFill>
+              <a:cs typeface="+mn-ea"/>
+              <a:sym typeface="+mn-lt"/>
+            </a:endParaRPr>
+          </a:p>
+        </p:txBody>
+      </p:sp>
+    </p:spTree>
+    <p:extLst>
+      <p:ext uri="{BB962C8B-B14F-4D97-AF65-F5344CB8AC3E}">
+        <p14:creationId xmlns:p14="http://schemas.microsoft.com/office/powerpoint/2010/main" val="68381335"/>
+      </p:ext>
+    </p:extLst>
+  </p:cSld>
+  <p:clrMapOvr>
+    <a:masterClrMapping/>
+  </p:clrMapOvr>
+  <p:timing>
+    <p:tnLst>
+      <p:par>
+        <p:cTn id="1" dur="indefinite" restart="never" nodeType="tmRoot"/>
+      </p:par>
+    </p:tnLst>
+  </p:timing>
+</p:sld>
+</file>
+
 <file path=ppt/slides/slide5.xml><?xml version="1.0" encoding="utf-8"?>
 <p:sld xmlns:a="http://schemas.openxmlformats.org/drawingml/2006/main" xmlns:r="http://schemas.openxmlformats.org/officeDocument/2006/relationships" xmlns:p="http://schemas.openxmlformats.org/presentationml/2006/main">
   <p:cSld>
@@ -14649,6 +18016,238 @@
     <p:extLst>
       <p:ext uri="{BB962C8B-B14F-4D97-AF65-F5344CB8AC3E}">
         <p14:creationId xmlns:p14="http://schemas.microsoft.com/office/powerpoint/2010/main" val="3390284859"/>
+      </p:ext>
+    </p:extLst>
+  </p:cSld>
+  <p:clrMapOvr>
+    <a:masterClrMapping/>
+  </p:clrMapOvr>
+  <p:timing>
+    <p:tnLst>
+      <p:par>
+        <p:cTn id="1" dur="indefinite" restart="never" nodeType="tmRoot"/>
+      </p:par>
+    </p:tnLst>
+  </p:timing>
+</p:sld>
+</file>
+
+<file path=ppt/slides/slide50.xml><?xml version="1.0" encoding="utf-8"?>
+<p:sld xmlns:a="http://schemas.openxmlformats.org/drawingml/2006/main" xmlns:r="http://schemas.openxmlformats.org/officeDocument/2006/relationships" xmlns:p="http://schemas.openxmlformats.org/presentationml/2006/main">
+  <p:cSld>
+    <p:spTree>
+      <p:nvGrpSpPr>
+        <p:cNvPr id="1" name=""/>
+        <p:cNvGrpSpPr/>
+        <p:nvPr/>
+      </p:nvGrpSpPr>
+      <p:grpSpPr>
+        <a:xfrm>
+          <a:off x="0" y="0"/>
+          <a:ext cx="0" cy="0"/>
+          <a:chOff x="0" y="0"/>
+          <a:chExt cx="0" cy="0"/>
+        </a:xfrm>
+      </p:grpSpPr>
+      <p:pic>
+        <p:nvPicPr>
+          <p:cNvPr id="2" name="图片 1"/>
+          <p:cNvPicPr>
+            <a:picLocks noChangeAspect="1"/>
+          </p:cNvPicPr>
+          <p:nvPr/>
+        </p:nvPicPr>
+        <p:blipFill>
+          <a:blip r:embed="rId2">
+            <a:extLst>
+              <a:ext uri="{28A0092B-C50C-407E-A947-70E740481C1C}">
+                <a14:useLocalDpi xmlns:a14="http://schemas.microsoft.com/office/drawing/2010/main" val="0"/>
+              </a:ext>
+            </a:extLst>
+          </a:blip>
+          <a:stretch>
+            <a:fillRect/>
+          </a:stretch>
+        </p:blipFill>
+        <p:spPr>
+          <a:xfrm>
+            <a:off x="0" y="0"/>
+            <a:ext cx="12192000" cy="6858000"/>
+          </a:xfrm>
+          <a:prstGeom prst="rect">
+            <a:avLst/>
+          </a:prstGeom>
+        </p:spPr>
+      </p:pic>
+      <p:sp>
+        <p:nvSpPr>
+          <p:cNvPr id="8" name="文本框 7"/>
+          <p:cNvSpPr txBox="1"/>
+          <p:nvPr/>
+        </p:nvSpPr>
+        <p:spPr>
+          <a:xfrm>
+            <a:off x="771525" y="3019425"/>
+            <a:ext cx="2167581" cy="830997"/>
+          </a:xfrm>
+          <a:prstGeom prst="rect">
+            <a:avLst/>
+          </a:prstGeom>
+          <a:noFill/>
+        </p:spPr>
+        <p:txBody>
+          <a:bodyPr wrap="none" rtlCol="0">
+            <a:spAutoFit/>
+          </a:bodyPr>
+          <a:lstStyle/>
+          <a:p>
+            <a:pPr>
+              <a:lnSpc>
+                <a:spcPct val="150000"/>
+              </a:lnSpc>
+            </a:pPr>
+            <a:r>
+              <a:rPr lang="en-US" altLang="zh-CN" sz="3200" dirty="0">
+                <a:solidFill>
+                  <a:schemeClr val="bg1"/>
+                </a:solidFill>
+                <a:cs typeface="+mn-ea"/>
+                <a:sym typeface="+mn-lt"/>
+              </a:rPr>
+              <a:t>6</a:t>
+            </a:r>
+            <a:r>
+              <a:rPr lang="en-US" altLang="zh-CN" sz="3200" dirty="0" smtClean="0">
+                <a:solidFill>
+                  <a:schemeClr val="bg1"/>
+                </a:solidFill>
+                <a:cs typeface="+mn-ea"/>
+                <a:sym typeface="+mn-lt"/>
+              </a:rPr>
+              <a:t>.</a:t>
+            </a:r>
+            <a:r>
+              <a:rPr lang="zh-CN" altLang="en-US" sz="3200" dirty="0" smtClean="0">
+                <a:solidFill>
+                  <a:schemeClr val="bg1"/>
+                </a:solidFill>
+                <a:cs typeface="+mn-ea"/>
+                <a:sym typeface="+mn-lt"/>
+              </a:rPr>
+              <a:t>设计模式</a:t>
+            </a:r>
+            <a:endParaRPr lang="zh-CN" altLang="en-US" sz="3200" dirty="0">
+              <a:solidFill>
+                <a:schemeClr val="bg1"/>
+              </a:solidFill>
+              <a:cs typeface="+mn-ea"/>
+              <a:sym typeface="+mn-lt"/>
+            </a:endParaRPr>
+          </a:p>
+        </p:txBody>
+      </p:sp>
+    </p:spTree>
+    <p:extLst>
+      <p:ext uri="{BB962C8B-B14F-4D97-AF65-F5344CB8AC3E}">
+        <p14:creationId xmlns:p14="http://schemas.microsoft.com/office/powerpoint/2010/main" val="2766502232"/>
+      </p:ext>
+    </p:extLst>
+  </p:cSld>
+  <p:clrMapOvr>
+    <a:masterClrMapping/>
+  </p:clrMapOvr>
+  <p:timing>
+    <p:tnLst>
+      <p:par>
+        <p:cTn id="1" dur="indefinite" restart="never" nodeType="tmRoot"/>
+      </p:par>
+    </p:tnLst>
+  </p:timing>
+</p:sld>
+</file>
+
+<file path=ppt/slides/slide51.xml><?xml version="1.0" encoding="utf-8"?>
+<p:sld xmlns:a="http://schemas.openxmlformats.org/drawingml/2006/main" xmlns:r="http://schemas.openxmlformats.org/officeDocument/2006/relationships" xmlns:p="http://schemas.openxmlformats.org/presentationml/2006/main">
+  <p:cSld>
+    <p:bg>
+      <p:bgPr>
+        <a:blipFill dpi="0" rotWithShape="1">
+          <a:blip r:embed="rId2">
+            <a:lum/>
+          </a:blip>
+          <a:srcRect/>
+          <a:stretch>
+            <a:fillRect/>
+          </a:stretch>
+        </a:blipFill>
+        <a:effectLst/>
+      </p:bgPr>
+    </p:bg>
+    <p:spTree>
+      <p:nvGrpSpPr>
+        <p:cNvPr id="1" name=""/>
+        <p:cNvGrpSpPr/>
+        <p:nvPr/>
+      </p:nvGrpSpPr>
+      <p:grpSpPr>
+        <a:xfrm>
+          <a:off x="0" y="0"/>
+          <a:ext cx="0" cy="0"/>
+          <a:chOff x="0" y="0"/>
+          <a:chExt cx="0" cy="0"/>
+        </a:xfrm>
+      </p:grpSpPr>
+      <p:sp>
+        <p:nvSpPr>
+          <p:cNvPr id="7" name="文本框 6"/>
+          <p:cNvSpPr txBox="1"/>
+          <p:nvPr/>
+        </p:nvSpPr>
+        <p:spPr>
+          <a:xfrm>
+            <a:off x="790981" y="2922149"/>
+            <a:ext cx="526106" cy="739754"/>
+          </a:xfrm>
+          <a:prstGeom prst="rect">
+            <a:avLst/>
+          </a:prstGeom>
+          <a:noFill/>
+        </p:spPr>
+        <p:txBody>
+          <a:bodyPr wrap="none" rtlCol="0">
+            <a:spAutoFit/>
+          </a:bodyPr>
+          <a:lstStyle/>
+          <a:p>
+            <a:pPr>
+              <a:lnSpc>
+                <a:spcPct val="150000"/>
+              </a:lnSpc>
+            </a:pPr>
+            <a:r>
+              <a:rPr lang="en-US" altLang="zh-CN" sz="3200" dirty="0" smtClean="0">
+                <a:solidFill>
+                  <a:schemeClr val="bg1"/>
+                </a:solidFill>
+                <a:cs typeface="+mn-ea"/>
+                <a:sym typeface="+mn-lt"/>
+              </a:rPr>
+              <a:t>7.</a:t>
+            </a:r>
+            <a:endParaRPr lang="zh-CN" altLang="en-US" sz="3200" dirty="0">
+              <a:solidFill>
+                <a:schemeClr val="bg1"/>
+              </a:solidFill>
+              <a:cs typeface="+mn-ea"/>
+              <a:sym typeface="+mn-lt"/>
+            </a:endParaRPr>
+          </a:p>
+        </p:txBody>
+      </p:sp>
+    </p:spTree>
+    <p:extLst>
+      <p:ext uri="{BB962C8B-B14F-4D97-AF65-F5344CB8AC3E}">
+        <p14:creationId xmlns:p14="http://schemas.microsoft.com/office/powerpoint/2010/main" val="801916198"/>
       </p:ext>
     </p:extLst>
   </p:cSld>
